--- a/Vakken Y2/Crossmediale onderzoeksweken/EliotHiggins/Aflevering_presentatie.pptx
+++ b/Vakken Y2/Crossmediale onderzoeksweken/EliotHiggins/Aflevering_presentatie.pptx
@@ -5,7 +5,7 @@
     <p:sldMasterId id="2147483648" r:id="rId1"/>
   </p:sldMasterIdLst>
   <p:notesMasterIdLst>
-    <p:notesMasterId r:id="rId11"/>
+    <p:notesMasterId r:id="rId15"/>
   </p:notesMasterIdLst>
   <p:sldIdLst>
     <p:sldId id="256" r:id="rId2"/>
@@ -14,9 +14,13 @@
     <p:sldId id="259" r:id="rId5"/>
     <p:sldId id="260" r:id="rId6"/>
     <p:sldId id="261" r:id="rId7"/>
-    <p:sldId id="262" r:id="rId8"/>
-    <p:sldId id="264" r:id="rId9"/>
-    <p:sldId id="263" r:id="rId10"/>
+    <p:sldId id="268" r:id="rId8"/>
+    <p:sldId id="262" r:id="rId9"/>
+    <p:sldId id="264" r:id="rId10"/>
+    <p:sldId id="265" r:id="rId11"/>
+    <p:sldId id="266" r:id="rId12"/>
+    <p:sldId id="269" r:id="rId13"/>
+    <p:sldId id="263" r:id="rId14"/>
   </p:sldIdLst>
   <p:sldSz cx="12192000" cy="6858000"/>
   <p:notesSz cx="6858000" cy="9144000"/>
@@ -115,6 +119,11 @@
       </a:defRPr>
     </a:lvl9pPr>
   </p:defaultTextStyle>
+  <p:extLst>
+    <p:ext uri="{EFAFB233-063F-42B5-8137-9DF3F51BA10A}">
+      <p15:sldGuideLst xmlns:p15="http://schemas.microsoft.com/office/powerpoint/2012/main"/>
+    </p:ext>
+  </p:extLst>
 </p:presentation>
 </file>
 
@@ -4088,6 +4097,1846 @@
 </p:sld>
 </file>
 
+<file path=ppt/slides/slide10.xml><?xml version="1.0" encoding="utf-8"?>
+<p:sld xmlns:a="http://schemas.openxmlformats.org/drawingml/2006/main" xmlns:r="http://schemas.openxmlformats.org/officeDocument/2006/relationships" xmlns:p="http://schemas.openxmlformats.org/presentationml/2006/main">
+  <p:cSld>
+    <p:bg>
+      <p:bgPr>
+        <a:solidFill>
+          <a:srgbClr val="4E54A0"/>
+        </a:solidFill>
+        <a:effectLst/>
+      </p:bgPr>
+    </p:bg>
+    <p:spTree>
+      <p:nvGrpSpPr>
+        <p:cNvPr id="1" name=""/>
+        <p:cNvGrpSpPr/>
+        <p:nvPr/>
+      </p:nvGrpSpPr>
+      <p:grpSpPr>
+        <a:xfrm>
+          <a:off x="0" y="0"/>
+          <a:ext cx="0" cy="0"/>
+          <a:chOff x="0" y="0"/>
+          <a:chExt cx="0" cy="0"/>
+        </a:xfrm>
+      </p:grpSpPr>
+      <p:pic>
+        <p:nvPicPr>
+          <p:cNvPr id="4098" name="Picture 2" descr="Christaan Triebert, de man uit Leeuwarden die puzzelt met de waarheid als  journalist bij The New York Times - Dagblad van het Noorden">
+            <a:extLst>
+              <a:ext uri="{FF2B5EF4-FFF2-40B4-BE49-F238E27FC236}">
+                <a16:creationId xmlns:a16="http://schemas.microsoft.com/office/drawing/2014/main" id="{186B5334-8A64-A5EE-CBD7-BA9937D1427F}"/>
+              </a:ext>
+            </a:extLst>
+          </p:cNvPr>
+          <p:cNvPicPr>
+            <a:picLocks noChangeAspect="1" noChangeArrowheads="1"/>
+          </p:cNvPicPr>
+          <p:nvPr/>
+        </p:nvPicPr>
+        <p:blipFill>
+          <a:blip r:embed="rId2">
+            <a:alphaModFix amt="60000"/>
+            <a:extLst>
+              <a:ext uri="{28A0092B-C50C-407E-A947-70E740481C1C}">
+                <a14:useLocalDpi xmlns:a14="http://schemas.microsoft.com/office/drawing/2010/main" val="0"/>
+              </a:ext>
+            </a:extLst>
+          </a:blip>
+          <a:srcRect/>
+          <a:stretch>
+            <a:fillRect/>
+          </a:stretch>
+        </p:blipFill>
+        <p:spPr bwMode="auto">
+          <a:xfrm>
+            <a:off x="0" y="0"/>
+            <a:ext cx="16469474" cy="10284494"/>
+          </a:xfrm>
+          <a:prstGeom prst="rect">
+            <a:avLst/>
+          </a:prstGeom>
+          <a:noFill/>
+          <a:extLst>
+            <a:ext uri="{909E8E84-426E-40DD-AFC4-6F175D3DCCD1}">
+              <a14:hiddenFill xmlns:a14="http://schemas.microsoft.com/office/drawing/2010/main">
+                <a:solidFill>
+                  <a:srgbClr val="FFFFFF"/>
+                </a:solidFill>
+              </a14:hiddenFill>
+            </a:ext>
+          </a:extLst>
+        </p:spPr>
+      </p:pic>
+      <p:sp>
+        <p:nvSpPr>
+          <p:cNvPr id="7" name="Oval 6">
+            <a:extLst>
+              <a:ext uri="{FF2B5EF4-FFF2-40B4-BE49-F238E27FC236}">
+                <a16:creationId xmlns:a16="http://schemas.microsoft.com/office/drawing/2014/main" id="{975E8217-60B1-21C7-C9EE-BB01EEA88652}"/>
+              </a:ext>
+            </a:extLst>
+          </p:cNvPr>
+          <p:cNvSpPr/>
+          <p:nvPr/>
+        </p:nvSpPr>
+        <p:spPr>
+          <a:xfrm>
+            <a:off x="1152319" y="-6255631"/>
+            <a:ext cx="9887361" cy="9887361"/>
+          </a:xfrm>
+          <a:prstGeom prst="ellipse">
+            <a:avLst/>
+          </a:prstGeom>
+          <a:solidFill>
+            <a:srgbClr val="9576B2"/>
+          </a:solidFill>
+          <a:ln>
+            <a:noFill/>
+          </a:ln>
+        </p:spPr>
+        <p:style>
+          <a:lnRef idx="2">
+            <a:schemeClr val="accent1">
+              <a:shade val="15000"/>
+            </a:schemeClr>
+          </a:lnRef>
+          <a:fillRef idx="1">
+            <a:schemeClr val="accent1"/>
+          </a:fillRef>
+          <a:effectRef idx="0">
+            <a:schemeClr val="accent1"/>
+          </a:effectRef>
+          <a:fontRef idx="minor">
+            <a:schemeClr val="lt1"/>
+          </a:fontRef>
+        </p:style>
+        <p:txBody>
+          <a:bodyPr rtlCol="0" anchor="ctr"/>
+          <a:lstStyle/>
+          <a:p>
+            <a:pPr algn="ctr"/>
+            <a:endParaRPr lang="en-US"/>
+          </a:p>
+        </p:txBody>
+      </p:sp>
+      <p:sp>
+        <p:nvSpPr>
+          <p:cNvPr id="5" name="Oval 4">
+            <a:extLst>
+              <a:ext uri="{FF2B5EF4-FFF2-40B4-BE49-F238E27FC236}">
+                <a16:creationId xmlns:a16="http://schemas.microsoft.com/office/drawing/2014/main" id="{66938F62-FE65-0445-5E31-89BB771F23AC}"/>
+              </a:ext>
+            </a:extLst>
+          </p:cNvPr>
+          <p:cNvSpPr/>
+          <p:nvPr/>
+        </p:nvSpPr>
+        <p:spPr>
+          <a:xfrm>
+            <a:off x="3810001" y="-3887668"/>
+            <a:ext cx="4572000" cy="4572000"/>
+          </a:xfrm>
+          <a:prstGeom prst="ellipse">
+            <a:avLst/>
+          </a:prstGeom>
+          <a:solidFill>
+            <a:srgbClr val="4E54A0"/>
+          </a:solidFill>
+          <a:ln>
+            <a:noFill/>
+          </a:ln>
+        </p:spPr>
+        <p:style>
+          <a:lnRef idx="2">
+            <a:schemeClr val="accent1">
+              <a:shade val="15000"/>
+            </a:schemeClr>
+          </a:lnRef>
+          <a:fillRef idx="1">
+            <a:schemeClr val="accent1"/>
+          </a:fillRef>
+          <a:effectRef idx="0">
+            <a:schemeClr val="accent1"/>
+          </a:effectRef>
+          <a:fontRef idx="minor">
+            <a:schemeClr val="lt1"/>
+          </a:fontRef>
+        </p:style>
+        <p:txBody>
+          <a:bodyPr rtlCol="0" anchor="ctr"/>
+          <a:lstStyle/>
+          <a:p>
+            <a:pPr algn="ctr"/>
+            <a:endParaRPr lang="en-US"/>
+          </a:p>
+        </p:txBody>
+      </p:sp>
+      <p:sp>
+        <p:nvSpPr>
+          <p:cNvPr id="8" name="Title 1">
+            <a:extLst>
+              <a:ext uri="{FF2B5EF4-FFF2-40B4-BE49-F238E27FC236}">
+                <a16:creationId xmlns:a16="http://schemas.microsoft.com/office/drawing/2014/main" id="{AB7CB787-5496-02AA-00E0-D3F25522FEF9}"/>
+              </a:ext>
+            </a:extLst>
+          </p:cNvPr>
+          <p:cNvSpPr txBox="1">
+            <a:spLocks/>
+          </p:cNvSpPr>
+          <p:nvPr/>
+        </p:nvSpPr>
+        <p:spPr>
+          <a:xfrm>
+            <a:off x="1524000" y="1122363"/>
+            <a:ext cx="9144000" cy="1476999"/>
+          </a:xfrm>
+          <a:prstGeom prst="rect">
+            <a:avLst/>
+          </a:prstGeom>
+        </p:spPr>
+        <p:txBody>
+          <a:bodyPr vert="horz" lIns="91440" tIns="45720" rIns="91440" bIns="45720" rtlCol="0" anchor="ctr">
+            <a:normAutofit/>
+          </a:bodyPr>
+          <a:lstStyle>
+            <a:lvl1pPr algn="l" defTabSz="914400" rtl="0" eaLnBrk="1" latinLnBrk="0" hangingPunct="1">
+              <a:lnSpc>
+                <a:spcPct val="90000"/>
+              </a:lnSpc>
+              <a:spcBef>
+                <a:spcPct val="0"/>
+              </a:spcBef>
+              <a:buNone/>
+              <a:defRPr sz="4400" kern="1200">
+                <a:solidFill>
+                  <a:schemeClr val="tx1"/>
+                </a:solidFill>
+                <a:latin typeface="+mj-lt"/>
+                <a:ea typeface="+mj-ea"/>
+                <a:cs typeface="+mj-cs"/>
+              </a:defRPr>
+            </a:lvl1pPr>
+          </a:lstStyle>
+          <a:p>
+            <a:pPr algn="r"/>
+            <a:r>
+              <a:rPr lang="nl-NL" dirty="0">
+                <a:solidFill>
+                  <a:schemeClr val="bg1"/>
+                </a:solidFill>
+                <a:latin typeface="PP Formula Narrow Semibold" pitchFamily="50" charset="0"/>
+              </a:rPr>
+              <a:t>Gastinterviews</a:t>
+            </a:r>
+            <a:endParaRPr lang="en-US" dirty="0">
+              <a:solidFill>
+                <a:schemeClr val="bg1"/>
+              </a:solidFill>
+              <a:latin typeface="PP Formula Narrow Semibold" pitchFamily="50" charset="0"/>
+            </a:endParaRPr>
+          </a:p>
+        </p:txBody>
+      </p:sp>
+      <p:sp>
+        <p:nvSpPr>
+          <p:cNvPr id="9" name="Subtitle 2">
+            <a:extLst>
+              <a:ext uri="{FF2B5EF4-FFF2-40B4-BE49-F238E27FC236}">
+                <a16:creationId xmlns:a16="http://schemas.microsoft.com/office/drawing/2014/main" id="{9B4753AB-7653-60B1-0D90-5C60C706FEEB}"/>
+              </a:ext>
+            </a:extLst>
+          </p:cNvPr>
+          <p:cNvSpPr txBox="1">
+            <a:spLocks/>
+          </p:cNvSpPr>
+          <p:nvPr/>
+        </p:nvSpPr>
+        <p:spPr>
+          <a:xfrm>
+            <a:off x="621585" y="4280849"/>
+            <a:ext cx="10948828" cy="1655762"/>
+          </a:xfrm>
+          <a:prstGeom prst="rect">
+            <a:avLst/>
+          </a:prstGeom>
+        </p:spPr>
+        <p:txBody>
+          <a:bodyPr vert="horz" lIns="91440" tIns="45720" rIns="91440" bIns="45720" rtlCol="0">
+            <a:normAutofit/>
+          </a:bodyPr>
+          <a:lstStyle>
+            <a:lvl1pPr marL="228600" indent="-228600" algn="l" defTabSz="914400" rtl="0" eaLnBrk="1" latinLnBrk="0" hangingPunct="1">
+              <a:lnSpc>
+                <a:spcPct val="90000"/>
+              </a:lnSpc>
+              <a:spcBef>
+                <a:spcPts val="1000"/>
+              </a:spcBef>
+              <a:buFont typeface="Arial" panose="020B0604020202020204" pitchFamily="34" charset="0"/>
+              <a:buChar char="•"/>
+              <a:defRPr sz="2800" kern="1200">
+                <a:solidFill>
+                  <a:schemeClr val="tx1"/>
+                </a:solidFill>
+                <a:latin typeface="+mn-lt"/>
+                <a:ea typeface="+mn-ea"/>
+                <a:cs typeface="+mn-cs"/>
+              </a:defRPr>
+            </a:lvl1pPr>
+            <a:lvl2pPr marL="685800" indent="-228600" algn="l" defTabSz="914400" rtl="0" eaLnBrk="1" latinLnBrk="0" hangingPunct="1">
+              <a:lnSpc>
+                <a:spcPct val="90000"/>
+              </a:lnSpc>
+              <a:spcBef>
+                <a:spcPts val="500"/>
+              </a:spcBef>
+              <a:buFont typeface="Arial" panose="020B0604020202020204" pitchFamily="34" charset="0"/>
+              <a:buChar char="•"/>
+              <a:defRPr sz="2400" kern="1200">
+                <a:solidFill>
+                  <a:schemeClr val="tx1"/>
+                </a:solidFill>
+                <a:latin typeface="+mn-lt"/>
+                <a:ea typeface="+mn-ea"/>
+                <a:cs typeface="+mn-cs"/>
+              </a:defRPr>
+            </a:lvl2pPr>
+            <a:lvl3pPr marL="1143000" indent="-228600" algn="l" defTabSz="914400" rtl="0" eaLnBrk="1" latinLnBrk="0" hangingPunct="1">
+              <a:lnSpc>
+                <a:spcPct val="90000"/>
+              </a:lnSpc>
+              <a:spcBef>
+                <a:spcPts val="500"/>
+              </a:spcBef>
+              <a:buFont typeface="Arial" panose="020B0604020202020204" pitchFamily="34" charset="0"/>
+              <a:buChar char="•"/>
+              <a:defRPr sz="2000" kern="1200">
+                <a:solidFill>
+                  <a:schemeClr val="tx1"/>
+                </a:solidFill>
+                <a:latin typeface="+mn-lt"/>
+                <a:ea typeface="+mn-ea"/>
+                <a:cs typeface="+mn-cs"/>
+              </a:defRPr>
+            </a:lvl3pPr>
+            <a:lvl4pPr marL="1600200" indent="-228600" algn="l" defTabSz="914400" rtl="0" eaLnBrk="1" latinLnBrk="0" hangingPunct="1">
+              <a:lnSpc>
+                <a:spcPct val="90000"/>
+              </a:lnSpc>
+              <a:spcBef>
+                <a:spcPts val="500"/>
+              </a:spcBef>
+              <a:buFont typeface="Arial" panose="020B0604020202020204" pitchFamily="34" charset="0"/>
+              <a:buChar char="•"/>
+              <a:defRPr sz="1800" kern="1200">
+                <a:solidFill>
+                  <a:schemeClr val="tx1"/>
+                </a:solidFill>
+                <a:latin typeface="+mn-lt"/>
+                <a:ea typeface="+mn-ea"/>
+                <a:cs typeface="+mn-cs"/>
+              </a:defRPr>
+            </a:lvl4pPr>
+            <a:lvl5pPr marL="2057400" indent="-228600" algn="l" defTabSz="914400" rtl="0" eaLnBrk="1" latinLnBrk="0" hangingPunct="1">
+              <a:lnSpc>
+                <a:spcPct val="90000"/>
+              </a:lnSpc>
+              <a:spcBef>
+                <a:spcPts val="500"/>
+              </a:spcBef>
+              <a:buFont typeface="Arial" panose="020B0604020202020204" pitchFamily="34" charset="0"/>
+              <a:buChar char="•"/>
+              <a:defRPr sz="1800" kern="1200">
+                <a:solidFill>
+                  <a:schemeClr val="tx1"/>
+                </a:solidFill>
+                <a:latin typeface="+mn-lt"/>
+                <a:ea typeface="+mn-ea"/>
+                <a:cs typeface="+mn-cs"/>
+              </a:defRPr>
+            </a:lvl5pPr>
+            <a:lvl6pPr marL="2514600" indent="-228600" algn="l" defTabSz="914400" rtl="0" eaLnBrk="1" latinLnBrk="0" hangingPunct="1">
+              <a:lnSpc>
+                <a:spcPct val="90000"/>
+              </a:lnSpc>
+              <a:spcBef>
+                <a:spcPts val="500"/>
+              </a:spcBef>
+              <a:buFont typeface="Arial" panose="020B0604020202020204" pitchFamily="34" charset="0"/>
+              <a:buChar char="•"/>
+              <a:defRPr sz="1800" kern="1200">
+                <a:solidFill>
+                  <a:schemeClr val="tx1"/>
+                </a:solidFill>
+                <a:latin typeface="+mn-lt"/>
+                <a:ea typeface="+mn-ea"/>
+                <a:cs typeface="+mn-cs"/>
+              </a:defRPr>
+            </a:lvl6pPr>
+            <a:lvl7pPr marL="2971800" indent="-228600" algn="l" defTabSz="914400" rtl="0" eaLnBrk="1" latinLnBrk="0" hangingPunct="1">
+              <a:lnSpc>
+                <a:spcPct val="90000"/>
+              </a:lnSpc>
+              <a:spcBef>
+                <a:spcPts val="500"/>
+              </a:spcBef>
+              <a:buFont typeface="Arial" panose="020B0604020202020204" pitchFamily="34" charset="0"/>
+              <a:buChar char="•"/>
+              <a:defRPr sz="1800" kern="1200">
+                <a:solidFill>
+                  <a:schemeClr val="tx1"/>
+                </a:solidFill>
+                <a:latin typeface="+mn-lt"/>
+                <a:ea typeface="+mn-ea"/>
+                <a:cs typeface="+mn-cs"/>
+              </a:defRPr>
+            </a:lvl7pPr>
+            <a:lvl8pPr marL="3429000" indent="-228600" algn="l" defTabSz="914400" rtl="0" eaLnBrk="1" latinLnBrk="0" hangingPunct="1">
+              <a:lnSpc>
+                <a:spcPct val="90000"/>
+              </a:lnSpc>
+              <a:spcBef>
+                <a:spcPts val="500"/>
+              </a:spcBef>
+              <a:buFont typeface="Arial" panose="020B0604020202020204" pitchFamily="34" charset="0"/>
+              <a:buChar char="•"/>
+              <a:defRPr sz="1800" kern="1200">
+                <a:solidFill>
+                  <a:schemeClr val="tx1"/>
+                </a:solidFill>
+                <a:latin typeface="+mn-lt"/>
+                <a:ea typeface="+mn-ea"/>
+                <a:cs typeface="+mn-cs"/>
+              </a:defRPr>
+            </a:lvl8pPr>
+            <a:lvl9pPr marL="3886200" indent="-228600" algn="l" defTabSz="914400" rtl="0" eaLnBrk="1" latinLnBrk="0" hangingPunct="1">
+              <a:lnSpc>
+                <a:spcPct val="90000"/>
+              </a:lnSpc>
+              <a:spcBef>
+                <a:spcPts val="500"/>
+              </a:spcBef>
+              <a:buFont typeface="Arial" panose="020B0604020202020204" pitchFamily="34" charset="0"/>
+              <a:buChar char="•"/>
+              <a:defRPr sz="1800" kern="1200">
+                <a:solidFill>
+                  <a:schemeClr val="tx1"/>
+                </a:solidFill>
+                <a:latin typeface="+mn-lt"/>
+                <a:ea typeface="+mn-ea"/>
+                <a:cs typeface="+mn-cs"/>
+              </a:defRPr>
+            </a:lvl9pPr>
+          </a:lstStyle>
+          <a:p>
+            <a:pPr marL="0" indent="0">
+              <a:buNone/>
+            </a:pPr>
+            <a:r>
+              <a:rPr lang="nl-NL" sz="1400" dirty="0">
+                <a:solidFill>
+                  <a:schemeClr val="bg1"/>
+                </a:solidFill>
+                <a:latin typeface="PP Formula Medium" pitchFamily="50" charset="0"/>
+              </a:rPr>
+              <a:t>NYT Journalist</a:t>
+            </a:r>
+            <a:endParaRPr lang="en-US" sz="2000" dirty="0">
+              <a:solidFill>
+                <a:schemeClr val="bg1"/>
+              </a:solidFill>
+              <a:latin typeface="PP Formula Medium" pitchFamily="50" charset="0"/>
+            </a:endParaRPr>
+          </a:p>
+        </p:txBody>
+      </p:sp>
+      <p:sp>
+        <p:nvSpPr>
+          <p:cNvPr id="2" name="Title 1">
+            <a:extLst>
+              <a:ext uri="{FF2B5EF4-FFF2-40B4-BE49-F238E27FC236}">
+                <a16:creationId xmlns:a16="http://schemas.microsoft.com/office/drawing/2014/main" id="{31CA5593-C6F3-E461-E566-73FC07AE1FB4}"/>
+              </a:ext>
+            </a:extLst>
+          </p:cNvPr>
+          <p:cNvSpPr txBox="1">
+            <a:spLocks/>
+          </p:cNvSpPr>
+          <p:nvPr/>
+        </p:nvSpPr>
+        <p:spPr>
+          <a:xfrm>
+            <a:off x="1523999" y="2377047"/>
+            <a:ext cx="9144000" cy="1476999"/>
+          </a:xfrm>
+          <a:prstGeom prst="rect">
+            <a:avLst/>
+          </a:prstGeom>
+        </p:spPr>
+        <p:txBody>
+          <a:bodyPr vert="horz" lIns="91440" tIns="45720" rIns="91440" bIns="45720" rtlCol="0" anchor="ctr">
+            <a:normAutofit/>
+          </a:bodyPr>
+          <a:lstStyle>
+            <a:lvl1pPr algn="l" defTabSz="914400" rtl="0" eaLnBrk="1" latinLnBrk="0" hangingPunct="1">
+              <a:lnSpc>
+                <a:spcPct val="90000"/>
+              </a:lnSpc>
+              <a:spcBef>
+                <a:spcPct val="0"/>
+              </a:spcBef>
+              <a:buNone/>
+              <a:defRPr sz="4400" kern="1200">
+                <a:solidFill>
+                  <a:schemeClr val="tx1"/>
+                </a:solidFill>
+                <a:latin typeface="+mj-lt"/>
+                <a:ea typeface="+mj-ea"/>
+                <a:cs typeface="+mj-cs"/>
+              </a:defRPr>
+            </a:lvl1pPr>
+          </a:lstStyle>
+          <a:p>
+            <a:pPr algn="ctr"/>
+            <a:r>
+              <a:rPr lang="nl-NL" sz="8000" dirty="0">
+                <a:solidFill>
+                  <a:schemeClr val="bg1"/>
+                </a:solidFill>
+                <a:latin typeface="PP Formula Narrow Semibold" pitchFamily="50" charset="0"/>
+              </a:rPr>
+              <a:t>Christiaan </a:t>
+            </a:r>
+            <a:r>
+              <a:rPr lang="nl-NL" sz="8000" dirty="0" err="1">
+                <a:solidFill>
+                  <a:schemeClr val="bg1"/>
+                </a:solidFill>
+                <a:latin typeface="PP Formula Narrow Semibold" pitchFamily="50" charset="0"/>
+              </a:rPr>
+              <a:t>Triebert</a:t>
+            </a:r>
+            <a:endParaRPr lang="en-US" sz="8000" dirty="0">
+              <a:solidFill>
+                <a:schemeClr val="bg1"/>
+              </a:solidFill>
+              <a:latin typeface="PP Formula Narrow Semibold" pitchFamily="50" charset="0"/>
+            </a:endParaRPr>
+          </a:p>
+        </p:txBody>
+      </p:sp>
+    </p:spTree>
+    <p:extLst>
+      <p:ext uri="{BB962C8B-B14F-4D97-AF65-F5344CB8AC3E}">
+        <p14:creationId xmlns:p14="http://schemas.microsoft.com/office/powerpoint/2010/main" val="190280154"/>
+      </p:ext>
+    </p:extLst>
+  </p:cSld>
+  <p:clrMapOvr>
+    <a:masterClrMapping/>
+  </p:clrMapOvr>
+</p:sld>
+</file>
+
+<file path=ppt/slides/slide11.xml><?xml version="1.0" encoding="utf-8"?>
+<p:sld xmlns:a="http://schemas.openxmlformats.org/drawingml/2006/main" xmlns:r="http://schemas.openxmlformats.org/officeDocument/2006/relationships" xmlns:p="http://schemas.openxmlformats.org/presentationml/2006/main">
+  <p:cSld>
+    <p:bg>
+      <p:bgPr>
+        <a:solidFill>
+          <a:srgbClr val="4E54A0"/>
+        </a:solidFill>
+        <a:effectLst/>
+      </p:bgPr>
+    </p:bg>
+    <p:spTree>
+      <p:nvGrpSpPr>
+        <p:cNvPr id="1" name=""/>
+        <p:cNvGrpSpPr/>
+        <p:nvPr/>
+      </p:nvGrpSpPr>
+      <p:grpSpPr>
+        <a:xfrm>
+          <a:off x="0" y="0"/>
+          <a:ext cx="0" cy="0"/>
+          <a:chOff x="0" y="0"/>
+          <a:chExt cx="0" cy="0"/>
+        </a:xfrm>
+      </p:grpSpPr>
+      <p:pic>
+        <p:nvPicPr>
+          <p:cNvPr id="4098" name="Picture 2" descr="Christaan Triebert, de man uit Leeuwarden die puzzelt met de waarheid als  journalist bij The New York Times - Dagblad van het Noorden">
+            <a:extLst>
+              <a:ext uri="{FF2B5EF4-FFF2-40B4-BE49-F238E27FC236}">
+                <a16:creationId xmlns:a16="http://schemas.microsoft.com/office/drawing/2014/main" id="{186B5334-8A64-A5EE-CBD7-BA9937D1427F}"/>
+              </a:ext>
+            </a:extLst>
+          </p:cNvPr>
+          <p:cNvPicPr>
+            <a:picLocks noChangeAspect="1" noChangeArrowheads="1"/>
+          </p:cNvPicPr>
+          <p:nvPr/>
+        </p:nvPicPr>
+        <p:blipFill>
+          <a:blip r:embed="rId2">
+            <a:alphaModFix amt="60000"/>
+            <a:extLst>
+              <a:ext uri="{28A0092B-C50C-407E-A947-70E740481C1C}">
+                <a14:useLocalDpi xmlns:a14="http://schemas.microsoft.com/office/drawing/2010/main" val="0"/>
+              </a:ext>
+            </a:extLst>
+          </a:blip>
+          <a:srcRect/>
+          <a:stretch>
+            <a:fillRect/>
+          </a:stretch>
+        </p:blipFill>
+        <p:spPr bwMode="auto">
+          <a:xfrm>
+            <a:off x="0" y="0"/>
+            <a:ext cx="16469474" cy="10284494"/>
+          </a:xfrm>
+          <a:prstGeom prst="rect">
+            <a:avLst/>
+          </a:prstGeom>
+          <a:noFill/>
+          <a:extLst>
+            <a:ext uri="{909E8E84-426E-40DD-AFC4-6F175D3DCCD1}">
+              <a14:hiddenFill xmlns:a14="http://schemas.microsoft.com/office/drawing/2010/main">
+                <a:solidFill>
+                  <a:srgbClr val="FFFFFF"/>
+                </a:solidFill>
+              </a14:hiddenFill>
+            </a:ext>
+          </a:extLst>
+        </p:spPr>
+      </p:pic>
+      <p:sp>
+        <p:nvSpPr>
+          <p:cNvPr id="7" name="Oval 6">
+            <a:extLst>
+              <a:ext uri="{FF2B5EF4-FFF2-40B4-BE49-F238E27FC236}">
+                <a16:creationId xmlns:a16="http://schemas.microsoft.com/office/drawing/2014/main" id="{975E8217-60B1-21C7-C9EE-BB01EEA88652}"/>
+              </a:ext>
+            </a:extLst>
+          </p:cNvPr>
+          <p:cNvSpPr/>
+          <p:nvPr/>
+        </p:nvSpPr>
+        <p:spPr>
+          <a:xfrm>
+            <a:off x="1152319" y="-6255631"/>
+            <a:ext cx="9887361" cy="9887361"/>
+          </a:xfrm>
+          <a:prstGeom prst="ellipse">
+            <a:avLst/>
+          </a:prstGeom>
+          <a:solidFill>
+            <a:srgbClr val="9576B2"/>
+          </a:solidFill>
+          <a:ln>
+            <a:noFill/>
+          </a:ln>
+        </p:spPr>
+        <p:style>
+          <a:lnRef idx="2">
+            <a:schemeClr val="accent1">
+              <a:shade val="15000"/>
+            </a:schemeClr>
+          </a:lnRef>
+          <a:fillRef idx="1">
+            <a:schemeClr val="accent1"/>
+          </a:fillRef>
+          <a:effectRef idx="0">
+            <a:schemeClr val="accent1"/>
+          </a:effectRef>
+          <a:fontRef idx="minor">
+            <a:schemeClr val="lt1"/>
+          </a:fontRef>
+        </p:style>
+        <p:txBody>
+          <a:bodyPr rtlCol="0" anchor="ctr"/>
+          <a:lstStyle/>
+          <a:p>
+            <a:pPr algn="ctr"/>
+            <a:endParaRPr lang="en-US"/>
+          </a:p>
+        </p:txBody>
+      </p:sp>
+      <p:sp>
+        <p:nvSpPr>
+          <p:cNvPr id="5" name="Oval 4">
+            <a:extLst>
+              <a:ext uri="{FF2B5EF4-FFF2-40B4-BE49-F238E27FC236}">
+                <a16:creationId xmlns:a16="http://schemas.microsoft.com/office/drawing/2014/main" id="{66938F62-FE65-0445-5E31-89BB771F23AC}"/>
+              </a:ext>
+            </a:extLst>
+          </p:cNvPr>
+          <p:cNvSpPr/>
+          <p:nvPr/>
+        </p:nvSpPr>
+        <p:spPr>
+          <a:xfrm>
+            <a:off x="3810001" y="-3887668"/>
+            <a:ext cx="4572000" cy="4572000"/>
+          </a:xfrm>
+          <a:prstGeom prst="ellipse">
+            <a:avLst/>
+          </a:prstGeom>
+          <a:solidFill>
+            <a:srgbClr val="4E54A0"/>
+          </a:solidFill>
+          <a:ln>
+            <a:noFill/>
+          </a:ln>
+        </p:spPr>
+        <p:style>
+          <a:lnRef idx="2">
+            <a:schemeClr val="accent1">
+              <a:shade val="15000"/>
+            </a:schemeClr>
+          </a:lnRef>
+          <a:fillRef idx="1">
+            <a:schemeClr val="accent1"/>
+          </a:fillRef>
+          <a:effectRef idx="0">
+            <a:schemeClr val="accent1"/>
+          </a:effectRef>
+          <a:fontRef idx="minor">
+            <a:schemeClr val="lt1"/>
+          </a:fontRef>
+        </p:style>
+        <p:txBody>
+          <a:bodyPr rtlCol="0" anchor="ctr"/>
+          <a:lstStyle/>
+          <a:p>
+            <a:pPr algn="ctr"/>
+            <a:endParaRPr lang="en-US"/>
+          </a:p>
+        </p:txBody>
+      </p:sp>
+      <p:sp>
+        <p:nvSpPr>
+          <p:cNvPr id="8" name="Title 1">
+            <a:extLst>
+              <a:ext uri="{FF2B5EF4-FFF2-40B4-BE49-F238E27FC236}">
+                <a16:creationId xmlns:a16="http://schemas.microsoft.com/office/drawing/2014/main" id="{AB7CB787-5496-02AA-00E0-D3F25522FEF9}"/>
+              </a:ext>
+            </a:extLst>
+          </p:cNvPr>
+          <p:cNvSpPr txBox="1">
+            <a:spLocks/>
+          </p:cNvSpPr>
+          <p:nvPr/>
+        </p:nvSpPr>
+        <p:spPr>
+          <a:xfrm>
+            <a:off x="1524000" y="1122363"/>
+            <a:ext cx="9144000" cy="1476999"/>
+          </a:xfrm>
+          <a:prstGeom prst="rect">
+            <a:avLst/>
+          </a:prstGeom>
+        </p:spPr>
+        <p:txBody>
+          <a:bodyPr vert="horz" lIns="91440" tIns="45720" rIns="91440" bIns="45720" rtlCol="0" anchor="ctr">
+            <a:normAutofit/>
+          </a:bodyPr>
+          <a:lstStyle>
+            <a:lvl1pPr algn="l" defTabSz="914400" rtl="0" eaLnBrk="1" latinLnBrk="0" hangingPunct="1">
+              <a:lnSpc>
+                <a:spcPct val="90000"/>
+              </a:lnSpc>
+              <a:spcBef>
+                <a:spcPct val="0"/>
+              </a:spcBef>
+              <a:buNone/>
+              <a:defRPr sz="4400" kern="1200">
+                <a:solidFill>
+                  <a:schemeClr val="tx1"/>
+                </a:solidFill>
+                <a:latin typeface="+mj-lt"/>
+                <a:ea typeface="+mj-ea"/>
+                <a:cs typeface="+mj-cs"/>
+              </a:defRPr>
+            </a:lvl1pPr>
+          </a:lstStyle>
+          <a:p>
+            <a:pPr algn="r"/>
+            <a:r>
+              <a:rPr lang="nl-NL" dirty="0">
+                <a:solidFill>
+                  <a:schemeClr val="bg1"/>
+                </a:solidFill>
+                <a:latin typeface="PP Formula Narrow Semibold" pitchFamily="50" charset="0"/>
+              </a:rPr>
+              <a:t>Gastinterviews</a:t>
+            </a:r>
+            <a:endParaRPr lang="en-US" dirty="0">
+              <a:solidFill>
+                <a:schemeClr val="bg1"/>
+              </a:solidFill>
+              <a:latin typeface="PP Formula Narrow Semibold" pitchFamily="50" charset="0"/>
+            </a:endParaRPr>
+          </a:p>
+        </p:txBody>
+      </p:sp>
+      <p:sp>
+        <p:nvSpPr>
+          <p:cNvPr id="9" name="Subtitle 2">
+            <a:extLst>
+              <a:ext uri="{FF2B5EF4-FFF2-40B4-BE49-F238E27FC236}">
+                <a16:creationId xmlns:a16="http://schemas.microsoft.com/office/drawing/2014/main" id="{9B4753AB-7653-60B1-0D90-5C60C706FEEB}"/>
+              </a:ext>
+            </a:extLst>
+          </p:cNvPr>
+          <p:cNvSpPr txBox="1">
+            <a:spLocks/>
+          </p:cNvSpPr>
+          <p:nvPr/>
+        </p:nvSpPr>
+        <p:spPr>
+          <a:xfrm>
+            <a:off x="621585" y="4280849"/>
+            <a:ext cx="10948828" cy="1655762"/>
+          </a:xfrm>
+          <a:prstGeom prst="rect">
+            <a:avLst/>
+          </a:prstGeom>
+        </p:spPr>
+        <p:txBody>
+          <a:bodyPr vert="horz" lIns="91440" tIns="45720" rIns="91440" bIns="45720" rtlCol="0">
+            <a:normAutofit/>
+          </a:bodyPr>
+          <a:lstStyle>
+            <a:lvl1pPr marL="228600" indent="-228600" algn="l" defTabSz="914400" rtl="0" eaLnBrk="1" latinLnBrk="0" hangingPunct="1">
+              <a:lnSpc>
+                <a:spcPct val="90000"/>
+              </a:lnSpc>
+              <a:spcBef>
+                <a:spcPts val="1000"/>
+              </a:spcBef>
+              <a:buFont typeface="Arial" panose="020B0604020202020204" pitchFamily="34" charset="0"/>
+              <a:buChar char="•"/>
+              <a:defRPr sz="2800" kern="1200">
+                <a:solidFill>
+                  <a:schemeClr val="tx1"/>
+                </a:solidFill>
+                <a:latin typeface="+mn-lt"/>
+                <a:ea typeface="+mn-ea"/>
+                <a:cs typeface="+mn-cs"/>
+              </a:defRPr>
+            </a:lvl1pPr>
+            <a:lvl2pPr marL="685800" indent="-228600" algn="l" defTabSz="914400" rtl="0" eaLnBrk="1" latinLnBrk="0" hangingPunct="1">
+              <a:lnSpc>
+                <a:spcPct val="90000"/>
+              </a:lnSpc>
+              <a:spcBef>
+                <a:spcPts val="500"/>
+              </a:spcBef>
+              <a:buFont typeface="Arial" panose="020B0604020202020204" pitchFamily="34" charset="0"/>
+              <a:buChar char="•"/>
+              <a:defRPr sz="2400" kern="1200">
+                <a:solidFill>
+                  <a:schemeClr val="tx1"/>
+                </a:solidFill>
+                <a:latin typeface="+mn-lt"/>
+                <a:ea typeface="+mn-ea"/>
+                <a:cs typeface="+mn-cs"/>
+              </a:defRPr>
+            </a:lvl2pPr>
+            <a:lvl3pPr marL="1143000" indent="-228600" algn="l" defTabSz="914400" rtl="0" eaLnBrk="1" latinLnBrk="0" hangingPunct="1">
+              <a:lnSpc>
+                <a:spcPct val="90000"/>
+              </a:lnSpc>
+              <a:spcBef>
+                <a:spcPts val="500"/>
+              </a:spcBef>
+              <a:buFont typeface="Arial" panose="020B0604020202020204" pitchFamily="34" charset="0"/>
+              <a:buChar char="•"/>
+              <a:defRPr sz="2000" kern="1200">
+                <a:solidFill>
+                  <a:schemeClr val="tx1"/>
+                </a:solidFill>
+                <a:latin typeface="+mn-lt"/>
+                <a:ea typeface="+mn-ea"/>
+                <a:cs typeface="+mn-cs"/>
+              </a:defRPr>
+            </a:lvl3pPr>
+            <a:lvl4pPr marL="1600200" indent="-228600" algn="l" defTabSz="914400" rtl="0" eaLnBrk="1" latinLnBrk="0" hangingPunct="1">
+              <a:lnSpc>
+                <a:spcPct val="90000"/>
+              </a:lnSpc>
+              <a:spcBef>
+                <a:spcPts val="500"/>
+              </a:spcBef>
+              <a:buFont typeface="Arial" panose="020B0604020202020204" pitchFamily="34" charset="0"/>
+              <a:buChar char="•"/>
+              <a:defRPr sz="1800" kern="1200">
+                <a:solidFill>
+                  <a:schemeClr val="tx1"/>
+                </a:solidFill>
+                <a:latin typeface="+mn-lt"/>
+                <a:ea typeface="+mn-ea"/>
+                <a:cs typeface="+mn-cs"/>
+              </a:defRPr>
+            </a:lvl4pPr>
+            <a:lvl5pPr marL="2057400" indent="-228600" algn="l" defTabSz="914400" rtl="0" eaLnBrk="1" latinLnBrk="0" hangingPunct="1">
+              <a:lnSpc>
+                <a:spcPct val="90000"/>
+              </a:lnSpc>
+              <a:spcBef>
+                <a:spcPts val="500"/>
+              </a:spcBef>
+              <a:buFont typeface="Arial" panose="020B0604020202020204" pitchFamily="34" charset="0"/>
+              <a:buChar char="•"/>
+              <a:defRPr sz="1800" kern="1200">
+                <a:solidFill>
+                  <a:schemeClr val="tx1"/>
+                </a:solidFill>
+                <a:latin typeface="+mn-lt"/>
+                <a:ea typeface="+mn-ea"/>
+                <a:cs typeface="+mn-cs"/>
+              </a:defRPr>
+            </a:lvl5pPr>
+            <a:lvl6pPr marL="2514600" indent="-228600" algn="l" defTabSz="914400" rtl="0" eaLnBrk="1" latinLnBrk="0" hangingPunct="1">
+              <a:lnSpc>
+                <a:spcPct val="90000"/>
+              </a:lnSpc>
+              <a:spcBef>
+                <a:spcPts val="500"/>
+              </a:spcBef>
+              <a:buFont typeface="Arial" panose="020B0604020202020204" pitchFamily="34" charset="0"/>
+              <a:buChar char="•"/>
+              <a:defRPr sz="1800" kern="1200">
+                <a:solidFill>
+                  <a:schemeClr val="tx1"/>
+                </a:solidFill>
+                <a:latin typeface="+mn-lt"/>
+                <a:ea typeface="+mn-ea"/>
+                <a:cs typeface="+mn-cs"/>
+              </a:defRPr>
+            </a:lvl6pPr>
+            <a:lvl7pPr marL="2971800" indent="-228600" algn="l" defTabSz="914400" rtl="0" eaLnBrk="1" latinLnBrk="0" hangingPunct="1">
+              <a:lnSpc>
+                <a:spcPct val="90000"/>
+              </a:lnSpc>
+              <a:spcBef>
+                <a:spcPts val="500"/>
+              </a:spcBef>
+              <a:buFont typeface="Arial" panose="020B0604020202020204" pitchFamily="34" charset="0"/>
+              <a:buChar char="•"/>
+              <a:defRPr sz="1800" kern="1200">
+                <a:solidFill>
+                  <a:schemeClr val="tx1"/>
+                </a:solidFill>
+                <a:latin typeface="+mn-lt"/>
+                <a:ea typeface="+mn-ea"/>
+                <a:cs typeface="+mn-cs"/>
+              </a:defRPr>
+            </a:lvl7pPr>
+            <a:lvl8pPr marL="3429000" indent="-228600" algn="l" defTabSz="914400" rtl="0" eaLnBrk="1" latinLnBrk="0" hangingPunct="1">
+              <a:lnSpc>
+                <a:spcPct val="90000"/>
+              </a:lnSpc>
+              <a:spcBef>
+                <a:spcPts val="500"/>
+              </a:spcBef>
+              <a:buFont typeface="Arial" panose="020B0604020202020204" pitchFamily="34" charset="0"/>
+              <a:buChar char="•"/>
+              <a:defRPr sz="1800" kern="1200">
+                <a:solidFill>
+                  <a:schemeClr val="tx1"/>
+                </a:solidFill>
+                <a:latin typeface="+mn-lt"/>
+                <a:ea typeface="+mn-ea"/>
+                <a:cs typeface="+mn-cs"/>
+              </a:defRPr>
+            </a:lvl8pPr>
+            <a:lvl9pPr marL="3886200" indent="-228600" algn="l" defTabSz="914400" rtl="0" eaLnBrk="1" latinLnBrk="0" hangingPunct="1">
+              <a:lnSpc>
+                <a:spcPct val="90000"/>
+              </a:lnSpc>
+              <a:spcBef>
+                <a:spcPts val="500"/>
+              </a:spcBef>
+              <a:buFont typeface="Arial" panose="020B0604020202020204" pitchFamily="34" charset="0"/>
+              <a:buChar char="•"/>
+              <a:defRPr sz="1800" kern="1200">
+                <a:solidFill>
+                  <a:schemeClr val="tx1"/>
+                </a:solidFill>
+                <a:latin typeface="+mn-lt"/>
+                <a:ea typeface="+mn-ea"/>
+                <a:cs typeface="+mn-cs"/>
+              </a:defRPr>
+            </a:lvl9pPr>
+          </a:lstStyle>
+          <a:p>
+            <a:pPr marL="0" indent="0">
+              <a:buNone/>
+            </a:pPr>
+            <a:r>
+              <a:rPr lang="nl-NL" sz="1400" dirty="0">
+                <a:solidFill>
+                  <a:schemeClr val="bg1"/>
+                </a:solidFill>
+                <a:latin typeface="PP Formula Medium" pitchFamily="50" charset="0"/>
+              </a:rPr>
+              <a:t>NYT Journalist</a:t>
+            </a:r>
+            <a:endParaRPr lang="en-US" sz="2000" dirty="0">
+              <a:solidFill>
+                <a:schemeClr val="bg1"/>
+              </a:solidFill>
+              <a:latin typeface="PP Formula Medium" pitchFamily="50" charset="0"/>
+            </a:endParaRPr>
+          </a:p>
+        </p:txBody>
+      </p:sp>
+      <p:sp>
+        <p:nvSpPr>
+          <p:cNvPr id="2" name="Title 1">
+            <a:extLst>
+              <a:ext uri="{FF2B5EF4-FFF2-40B4-BE49-F238E27FC236}">
+                <a16:creationId xmlns:a16="http://schemas.microsoft.com/office/drawing/2014/main" id="{31CA5593-C6F3-E461-E566-73FC07AE1FB4}"/>
+              </a:ext>
+            </a:extLst>
+          </p:cNvPr>
+          <p:cNvSpPr txBox="1">
+            <a:spLocks/>
+          </p:cNvSpPr>
+          <p:nvPr/>
+        </p:nvSpPr>
+        <p:spPr>
+          <a:xfrm>
+            <a:off x="1523999" y="2377047"/>
+            <a:ext cx="9144000" cy="1476999"/>
+          </a:xfrm>
+          <a:prstGeom prst="rect">
+            <a:avLst/>
+          </a:prstGeom>
+        </p:spPr>
+        <p:txBody>
+          <a:bodyPr vert="horz" lIns="91440" tIns="45720" rIns="91440" bIns="45720" rtlCol="0" anchor="ctr">
+            <a:normAutofit/>
+          </a:bodyPr>
+          <a:lstStyle>
+            <a:lvl1pPr algn="l" defTabSz="914400" rtl="0" eaLnBrk="1" latinLnBrk="0" hangingPunct="1">
+              <a:lnSpc>
+                <a:spcPct val="90000"/>
+              </a:lnSpc>
+              <a:spcBef>
+                <a:spcPct val="0"/>
+              </a:spcBef>
+              <a:buNone/>
+              <a:defRPr sz="4400" kern="1200">
+                <a:solidFill>
+                  <a:schemeClr val="tx1"/>
+                </a:solidFill>
+                <a:latin typeface="+mj-lt"/>
+                <a:ea typeface="+mj-ea"/>
+                <a:cs typeface="+mj-cs"/>
+              </a:defRPr>
+            </a:lvl1pPr>
+          </a:lstStyle>
+          <a:p>
+            <a:pPr algn="ctr"/>
+            <a:r>
+              <a:rPr lang="nl-NL" sz="8000" dirty="0">
+                <a:solidFill>
+                  <a:schemeClr val="bg1"/>
+                </a:solidFill>
+                <a:latin typeface="PP Formula Narrow Semibold" pitchFamily="50" charset="0"/>
+              </a:rPr>
+              <a:t>Christiaan </a:t>
+            </a:r>
+            <a:r>
+              <a:rPr lang="nl-NL" sz="8000" dirty="0" err="1">
+                <a:solidFill>
+                  <a:schemeClr val="bg1"/>
+                </a:solidFill>
+                <a:latin typeface="PP Formula Narrow Semibold" pitchFamily="50" charset="0"/>
+              </a:rPr>
+              <a:t>Triebert</a:t>
+            </a:r>
+            <a:endParaRPr lang="en-US" sz="8000" dirty="0">
+              <a:solidFill>
+                <a:schemeClr val="bg1"/>
+              </a:solidFill>
+              <a:latin typeface="PP Formula Narrow Semibold" pitchFamily="50" charset="0"/>
+            </a:endParaRPr>
+          </a:p>
+        </p:txBody>
+      </p:sp>
+    </p:spTree>
+    <p:extLst>
+      <p:ext uri="{BB962C8B-B14F-4D97-AF65-F5344CB8AC3E}">
+        <p14:creationId xmlns:p14="http://schemas.microsoft.com/office/powerpoint/2010/main" val="346391845"/>
+      </p:ext>
+    </p:extLst>
+  </p:cSld>
+  <p:clrMapOvr>
+    <a:masterClrMapping/>
+  </p:clrMapOvr>
+</p:sld>
+</file>
+
+<file path=ppt/slides/slide12.xml><?xml version="1.0" encoding="utf-8"?>
+<p:sld xmlns:a="http://schemas.openxmlformats.org/drawingml/2006/main" xmlns:r="http://schemas.openxmlformats.org/officeDocument/2006/relationships" xmlns:p="http://schemas.openxmlformats.org/presentationml/2006/main">
+  <p:cSld>
+    <p:bg>
+      <p:bgPr>
+        <a:solidFill>
+          <a:srgbClr val="4E54A0"/>
+        </a:solidFill>
+        <a:effectLst/>
+      </p:bgPr>
+    </p:bg>
+    <p:spTree>
+      <p:nvGrpSpPr>
+        <p:cNvPr id="1" name=""/>
+        <p:cNvGrpSpPr/>
+        <p:nvPr/>
+      </p:nvGrpSpPr>
+      <p:grpSpPr>
+        <a:xfrm>
+          <a:off x="0" y="0"/>
+          <a:ext cx="0" cy="0"/>
+          <a:chOff x="0" y="0"/>
+          <a:chExt cx="0" cy="0"/>
+        </a:xfrm>
+      </p:grpSpPr>
+      <p:pic>
+        <p:nvPicPr>
+          <p:cNvPr id="4098" name="Picture 2" descr="Christaan Triebert, de man uit Leeuwarden die puzzelt met de waarheid als  journalist bij The New York Times - Dagblad van het Noorden">
+            <a:extLst>
+              <a:ext uri="{FF2B5EF4-FFF2-40B4-BE49-F238E27FC236}">
+                <a16:creationId xmlns:a16="http://schemas.microsoft.com/office/drawing/2014/main" id="{186B5334-8A64-A5EE-CBD7-BA9937D1427F}"/>
+              </a:ext>
+            </a:extLst>
+          </p:cNvPr>
+          <p:cNvPicPr>
+            <a:picLocks noChangeAspect="1" noChangeArrowheads="1"/>
+          </p:cNvPicPr>
+          <p:nvPr/>
+        </p:nvPicPr>
+        <p:blipFill>
+          <a:blip r:embed="rId2">
+            <a:alphaModFix amt="60000"/>
+            <a:extLst>
+              <a:ext uri="{28A0092B-C50C-407E-A947-70E740481C1C}">
+                <a14:useLocalDpi xmlns:a14="http://schemas.microsoft.com/office/drawing/2010/main" val="0"/>
+              </a:ext>
+            </a:extLst>
+          </a:blip>
+          <a:srcRect/>
+          <a:stretch>
+            <a:fillRect/>
+          </a:stretch>
+        </p:blipFill>
+        <p:spPr bwMode="auto">
+          <a:xfrm>
+            <a:off x="0" y="0"/>
+            <a:ext cx="16469474" cy="10284494"/>
+          </a:xfrm>
+          <a:prstGeom prst="rect">
+            <a:avLst/>
+          </a:prstGeom>
+          <a:noFill/>
+          <a:extLst>
+            <a:ext uri="{909E8E84-426E-40DD-AFC4-6F175D3DCCD1}">
+              <a14:hiddenFill xmlns:a14="http://schemas.microsoft.com/office/drawing/2010/main">
+                <a:solidFill>
+                  <a:srgbClr val="FFFFFF"/>
+                </a:solidFill>
+              </a14:hiddenFill>
+            </a:ext>
+          </a:extLst>
+        </p:spPr>
+      </p:pic>
+      <p:sp>
+        <p:nvSpPr>
+          <p:cNvPr id="7" name="Oval 6">
+            <a:extLst>
+              <a:ext uri="{FF2B5EF4-FFF2-40B4-BE49-F238E27FC236}">
+                <a16:creationId xmlns:a16="http://schemas.microsoft.com/office/drawing/2014/main" id="{975E8217-60B1-21C7-C9EE-BB01EEA88652}"/>
+              </a:ext>
+            </a:extLst>
+          </p:cNvPr>
+          <p:cNvSpPr/>
+          <p:nvPr/>
+        </p:nvSpPr>
+        <p:spPr>
+          <a:xfrm>
+            <a:off x="1152319" y="-6255631"/>
+            <a:ext cx="9887361" cy="9887361"/>
+          </a:xfrm>
+          <a:prstGeom prst="ellipse">
+            <a:avLst/>
+          </a:prstGeom>
+          <a:solidFill>
+            <a:srgbClr val="9576B2"/>
+          </a:solidFill>
+          <a:ln>
+            <a:noFill/>
+          </a:ln>
+        </p:spPr>
+        <p:style>
+          <a:lnRef idx="2">
+            <a:schemeClr val="accent1">
+              <a:shade val="15000"/>
+            </a:schemeClr>
+          </a:lnRef>
+          <a:fillRef idx="1">
+            <a:schemeClr val="accent1"/>
+          </a:fillRef>
+          <a:effectRef idx="0">
+            <a:schemeClr val="accent1"/>
+          </a:effectRef>
+          <a:fontRef idx="minor">
+            <a:schemeClr val="lt1"/>
+          </a:fontRef>
+        </p:style>
+        <p:txBody>
+          <a:bodyPr rtlCol="0" anchor="ctr"/>
+          <a:lstStyle/>
+          <a:p>
+            <a:pPr algn="ctr"/>
+            <a:endParaRPr lang="en-US"/>
+          </a:p>
+        </p:txBody>
+      </p:sp>
+      <p:sp>
+        <p:nvSpPr>
+          <p:cNvPr id="5" name="Oval 4">
+            <a:extLst>
+              <a:ext uri="{FF2B5EF4-FFF2-40B4-BE49-F238E27FC236}">
+                <a16:creationId xmlns:a16="http://schemas.microsoft.com/office/drawing/2014/main" id="{66938F62-FE65-0445-5E31-89BB771F23AC}"/>
+              </a:ext>
+            </a:extLst>
+          </p:cNvPr>
+          <p:cNvSpPr/>
+          <p:nvPr/>
+        </p:nvSpPr>
+        <p:spPr>
+          <a:xfrm>
+            <a:off x="3810001" y="-3887668"/>
+            <a:ext cx="4572000" cy="4572000"/>
+          </a:xfrm>
+          <a:prstGeom prst="ellipse">
+            <a:avLst/>
+          </a:prstGeom>
+          <a:solidFill>
+            <a:srgbClr val="4E54A0"/>
+          </a:solidFill>
+          <a:ln>
+            <a:noFill/>
+          </a:ln>
+        </p:spPr>
+        <p:style>
+          <a:lnRef idx="2">
+            <a:schemeClr val="accent1">
+              <a:shade val="15000"/>
+            </a:schemeClr>
+          </a:lnRef>
+          <a:fillRef idx="1">
+            <a:schemeClr val="accent1"/>
+          </a:fillRef>
+          <a:effectRef idx="0">
+            <a:schemeClr val="accent1"/>
+          </a:effectRef>
+          <a:fontRef idx="minor">
+            <a:schemeClr val="lt1"/>
+          </a:fontRef>
+        </p:style>
+        <p:txBody>
+          <a:bodyPr rtlCol="0" anchor="ctr"/>
+          <a:lstStyle/>
+          <a:p>
+            <a:pPr algn="ctr"/>
+            <a:endParaRPr lang="en-US"/>
+          </a:p>
+        </p:txBody>
+      </p:sp>
+      <p:sp>
+        <p:nvSpPr>
+          <p:cNvPr id="8" name="Title 1">
+            <a:extLst>
+              <a:ext uri="{FF2B5EF4-FFF2-40B4-BE49-F238E27FC236}">
+                <a16:creationId xmlns:a16="http://schemas.microsoft.com/office/drawing/2014/main" id="{AB7CB787-5496-02AA-00E0-D3F25522FEF9}"/>
+              </a:ext>
+            </a:extLst>
+          </p:cNvPr>
+          <p:cNvSpPr txBox="1">
+            <a:spLocks/>
+          </p:cNvSpPr>
+          <p:nvPr/>
+        </p:nvSpPr>
+        <p:spPr>
+          <a:xfrm>
+            <a:off x="1524000" y="1122363"/>
+            <a:ext cx="9144000" cy="1476999"/>
+          </a:xfrm>
+          <a:prstGeom prst="rect">
+            <a:avLst/>
+          </a:prstGeom>
+        </p:spPr>
+        <p:txBody>
+          <a:bodyPr vert="horz" lIns="91440" tIns="45720" rIns="91440" bIns="45720" rtlCol="0" anchor="ctr">
+            <a:normAutofit/>
+          </a:bodyPr>
+          <a:lstStyle>
+            <a:lvl1pPr algn="l" defTabSz="914400" rtl="0" eaLnBrk="1" latinLnBrk="0" hangingPunct="1">
+              <a:lnSpc>
+                <a:spcPct val="90000"/>
+              </a:lnSpc>
+              <a:spcBef>
+                <a:spcPct val="0"/>
+              </a:spcBef>
+              <a:buNone/>
+              <a:defRPr sz="4400" kern="1200">
+                <a:solidFill>
+                  <a:schemeClr val="tx1"/>
+                </a:solidFill>
+                <a:latin typeface="+mj-lt"/>
+                <a:ea typeface="+mj-ea"/>
+                <a:cs typeface="+mj-cs"/>
+              </a:defRPr>
+            </a:lvl1pPr>
+          </a:lstStyle>
+          <a:p>
+            <a:pPr algn="r"/>
+            <a:r>
+              <a:rPr lang="nl-NL" dirty="0">
+                <a:solidFill>
+                  <a:schemeClr val="bg1"/>
+                </a:solidFill>
+                <a:latin typeface="PP Formula Narrow Semibold" pitchFamily="50" charset="0"/>
+              </a:rPr>
+              <a:t>Gastinterviews</a:t>
+            </a:r>
+            <a:endParaRPr lang="en-US" dirty="0">
+              <a:solidFill>
+                <a:schemeClr val="bg1"/>
+              </a:solidFill>
+              <a:latin typeface="PP Formula Narrow Semibold" pitchFamily="50" charset="0"/>
+            </a:endParaRPr>
+          </a:p>
+        </p:txBody>
+      </p:sp>
+      <p:sp>
+        <p:nvSpPr>
+          <p:cNvPr id="9" name="Subtitle 2">
+            <a:extLst>
+              <a:ext uri="{FF2B5EF4-FFF2-40B4-BE49-F238E27FC236}">
+                <a16:creationId xmlns:a16="http://schemas.microsoft.com/office/drawing/2014/main" id="{9B4753AB-7653-60B1-0D90-5C60C706FEEB}"/>
+              </a:ext>
+            </a:extLst>
+          </p:cNvPr>
+          <p:cNvSpPr txBox="1">
+            <a:spLocks/>
+          </p:cNvSpPr>
+          <p:nvPr/>
+        </p:nvSpPr>
+        <p:spPr>
+          <a:xfrm>
+            <a:off x="621585" y="4280849"/>
+            <a:ext cx="10948828" cy="1655762"/>
+          </a:xfrm>
+          <a:prstGeom prst="rect">
+            <a:avLst/>
+          </a:prstGeom>
+        </p:spPr>
+        <p:txBody>
+          <a:bodyPr vert="horz" lIns="91440" tIns="45720" rIns="91440" bIns="45720" rtlCol="0">
+            <a:normAutofit/>
+          </a:bodyPr>
+          <a:lstStyle>
+            <a:lvl1pPr marL="228600" indent="-228600" algn="l" defTabSz="914400" rtl="0" eaLnBrk="1" latinLnBrk="0" hangingPunct="1">
+              <a:lnSpc>
+                <a:spcPct val="90000"/>
+              </a:lnSpc>
+              <a:spcBef>
+                <a:spcPts val="1000"/>
+              </a:spcBef>
+              <a:buFont typeface="Arial" panose="020B0604020202020204" pitchFamily="34" charset="0"/>
+              <a:buChar char="•"/>
+              <a:defRPr sz="2800" kern="1200">
+                <a:solidFill>
+                  <a:schemeClr val="tx1"/>
+                </a:solidFill>
+                <a:latin typeface="+mn-lt"/>
+                <a:ea typeface="+mn-ea"/>
+                <a:cs typeface="+mn-cs"/>
+              </a:defRPr>
+            </a:lvl1pPr>
+            <a:lvl2pPr marL="685800" indent="-228600" algn="l" defTabSz="914400" rtl="0" eaLnBrk="1" latinLnBrk="0" hangingPunct="1">
+              <a:lnSpc>
+                <a:spcPct val="90000"/>
+              </a:lnSpc>
+              <a:spcBef>
+                <a:spcPts val="500"/>
+              </a:spcBef>
+              <a:buFont typeface="Arial" panose="020B0604020202020204" pitchFamily="34" charset="0"/>
+              <a:buChar char="•"/>
+              <a:defRPr sz="2400" kern="1200">
+                <a:solidFill>
+                  <a:schemeClr val="tx1"/>
+                </a:solidFill>
+                <a:latin typeface="+mn-lt"/>
+                <a:ea typeface="+mn-ea"/>
+                <a:cs typeface="+mn-cs"/>
+              </a:defRPr>
+            </a:lvl2pPr>
+            <a:lvl3pPr marL="1143000" indent="-228600" algn="l" defTabSz="914400" rtl="0" eaLnBrk="1" latinLnBrk="0" hangingPunct="1">
+              <a:lnSpc>
+                <a:spcPct val="90000"/>
+              </a:lnSpc>
+              <a:spcBef>
+                <a:spcPts val="500"/>
+              </a:spcBef>
+              <a:buFont typeface="Arial" panose="020B0604020202020204" pitchFamily="34" charset="0"/>
+              <a:buChar char="•"/>
+              <a:defRPr sz="2000" kern="1200">
+                <a:solidFill>
+                  <a:schemeClr val="tx1"/>
+                </a:solidFill>
+                <a:latin typeface="+mn-lt"/>
+                <a:ea typeface="+mn-ea"/>
+                <a:cs typeface="+mn-cs"/>
+              </a:defRPr>
+            </a:lvl3pPr>
+            <a:lvl4pPr marL="1600200" indent="-228600" algn="l" defTabSz="914400" rtl="0" eaLnBrk="1" latinLnBrk="0" hangingPunct="1">
+              <a:lnSpc>
+                <a:spcPct val="90000"/>
+              </a:lnSpc>
+              <a:spcBef>
+                <a:spcPts val="500"/>
+              </a:spcBef>
+              <a:buFont typeface="Arial" panose="020B0604020202020204" pitchFamily="34" charset="0"/>
+              <a:buChar char="•"/>
+              <a:defRPr sz="1800" kern="1200">
+                <a:solidFill>
+                  <a:schemeClr val="tx1"/>
+                </a:solidFill>
+                <a:latin typeface="+mn-lt"/>
+                <a:ea typeface="+mn-ea"/>
+                <a:cs typeface="+mn-cs"/>
+              </a:defRPr>
+            </a:lvl4pPr>
+            <a:lvl5pPr marL="2057400" indent="-228600" algn="l" defTabSz="914400" rtl="0" eaLnBrk="1" latinLnBrk="0" hangingPunct="1">
+              <a:lnSpc>
+                <a:spcPct val="90000"/>
+              </a:lnSpc>
+              <a:spcBef>
+                <a:spcPts val="500"/>
+              </a:spcBef>
+              <a:buFont typeface="Arial" panose="020B0604020202020204" pitchFamily="34" charset="0"/>
+              <a:buChar char="•"/>
+              <a:defRPr sz="1800" kern="1200">
+                <a:solidFill>
+                  <a:schemeClr val="tx1"/>
+                </a:solidFill>
+                <a:latin typeface="+mn-lt"/>
+                <a:ea typeface="+mn-ea"/>
+                <a:cs typeface="+mn-cs"/>
+              </a:defRPr>
+            </a:lvl5pPr>
+            <a:lvl6pPr marL="2514600" indent="-228600" algn="l" defTabSz="914400" rtl="0" eaLnBrk="1" latinLnBrk="0" hangingPunct="1">
+              <a:lnSpc>
+                <a:spcPct val="90000"/>
+              </a:lnSpc>
+              <a:spcBef>
+                <a:spcPts val="500"/>
+              </a:spcBef>
+              <a:buFont typeface="Arial" panose="020B0604020202020204" pitchFamily="34" charset="0"/>
+              <a:buChar char="•"/>
+              <a:defRPr sz="1800" kern="1200">
+                <a:solidFill>
+                  <a:schemeClr val="tx1"/>
+                </a:solidFill>
+                <a:latin typeface="+mn-lt"/>
+                <a:ea typeface="+mn-ea"/>
+                <a:cs typeface="+mn-cs"/>
+              </a:defRPr>
+            </a:lvl6pPr>
+            <a:lvl7pPr marL="2971800" indent="-228600" algn="l" defTabSz="914400" rtl="0" eaLnBrk="1" latinLnBrk="0" hangingPunct="1">
+              <a:lnSpc>
+                <a:spcPct val="90000"/>
+              </a:lnSpc>
+              <a:spcBef>
+                <a:spcPts val="500"/>
+              </a:spcBef>
+              <a:buFont typeface="Arial" panose="020B0604020202020204" pitchFamily="34" charset="0"/>
+              <a:buChar char="•"/>
+              <a:defRPr sz="1800" kern="1200">
+                <a:solidFill>
+                  <a:schemeClr val="tx1"/>
+                </a:solidFill>
+                <a:latin typeface="+mn-lt"/>
+                <a:ea typeface="+mn-ea"/>
+                <a:cs typeface="+mn-cs"/>
+              </a:defRPr>
+            </a:lvl7pPr>
+            <a:lvl8pPr marL="3429000" indent="-228600" algn="l" defTabSz="914400" rtl="0" eaLnBrk="1" latinLnBrk="0" hangingPunct="1">
+              <a:lnSpc>
+                <a:spcPct val="90000"/>
+              </a:lnSpc>
+              <a:spcBef>
+                <a:spcPts val="500"/>
+              </a:spcBef>
+              <a:buFont typeface="Arial" panose="020B0604020202020204" pitchFamily="34" charset="0"/>
+              <a:buChar char="•"/>
+              <a:defRPr sz="1800" kern="1200">
+                <a:solidFill>
+                  <a:schemeClr val="tx1"/>
+                </a:solidFill>
+                <a:latin typeface="+mn-lt"/>
+                <a:ea typeface="+mn-ea"/>
+                <a:cs typeface="+mn-cs"/>
+              </a:defRPr>
+            </a:lvl8pPr>
+            <a:lvl9pPr marL="3886200" indent="-228600" algn="l" defTabSz="914400" rtl="0" eaLnBrk="1" latinLnBrk="0" hangingPunct="1">
+              <a:lnSpc>
+                <a:spcPct val="90000"/>
+              </a:lnSpc>
+              <a:spcBef>
+                <a:spcPts val="500"/>
+              </a:spcBef>
+              <a:buFont typeface="Arial" panose="020B0604020202020204" pitchFamily="34" charset="0"/>
+              <a:buChar char="•"/>
+              <a:defRPr sz="1800" kern="1200">
+                <a:solidFill>
+                  <a:schemeClr val="tx1"/>
+                </a:solidFill>
+                <a:latin typeface="+mn-lt"/>
+                <a:ea typeface="+mn-ea"/>
+                <a:cs typeface="+mn-cs"/>
+              </a:defRPr>
+            </a:lvl9pPr>
+          </a:lstStyle>
+          <a:p>
+            <a:pPr marL="0" indent="0">
+              <a:buNone/>
+            </a:pPr>
+            <a:r>
+              <a:rPr lang="nl-NL" sz="1400" dirty="0">
+                <a:solidFill>
+                  <a:schemeClr val="bg1"/>
+                </a:solidFill>
+                <a:latin typeface="PP Formula Medium" pitchFamily="50" charset="0"/>
+              </a:rPr>
+              <a:t>NYT Journalist</a:t>
+            </a:r>
+            <a:endParaRPr lang="en-US" sz="2000" dirty="0">
+              <a:solidFill>
+                <a:schemeClr val="bg1"/>
+              </a:solidFill>
+              <a:latin typeface="PP Formula Medium" pitchFamily="50" charset="0"/>
+            </a:endParaRPr>
+          </a:p>
+        </p:txBody>
+      </p:sp>
+      <p:sp>
+        <p:nvSpPr>
+          <p:cNvPr id="2" name="Title 1">
+            <a:extLst>
+              <a:ext uri="{FF2B5EF4-FFF2-40B4-BE49-F238E27FC236}">
+                <a16:creationId xmlns:a16="http://schemas.microsoft.com/office/drawing/2014/main" id="{31CA5593-C6F3-E461-E566-73FC07AE1FB4}"/>
+              </a:ext>
+            </a:extLst>
+          </p:cNvPr>
+          <p:cNvSpPr txBox="1">
+            <a:spLocks/>
+          </p:cNvSpPr>
+          <p:nvPr/>
+        </p:nvSpPr>
+        <p:spPr>
+          <a:xfrm>
+            <a:off x="1523999" y="2377047"/>
+            <a:ext cx="9144000" cy="1476999"/>
+          </a:xfrm>
+          <a:prstGeom prst="rect">
+            <a:avLst/>
+          </a:prstGeom>
+        </p:spPr>
+        <p:txBody>
+          <a:bodyPr vert="horz" lIns="91440" tIns="45720" rIns="91440" bIns="45720" rtlCol="0" anchor="ctr">
+            <a:normAutofit/>
+          </a:bodyPr>
+          <a:lstStyle>
+            <a:lvl1pPr algn="l" defTabSz="914400" rtl="0" eaLnBrk="1" latinLnBrk="0" hangingPunct="1">
+              <a:lnSpc>
+                <a:spcPct val="90000"/>
+              </a:lnSpc>
+              <a:spcBef>
+                <a:spcPct val="0"/>
+              </a:spcBef>
+              <a:buNone/>
+              <a:defRPr sz="4400" kern="1200">
+                <a:solidFill>
+                  <a:schemeClr val="tx1"/>
+                </a:solidFill>
+                <a:latin typeface="+mj-lt"/>
+                <a:ea typeface="+mj-ea"/>
+                <a:cs typeface="+mj-cs"/>
+              </a:defRPr>
+            </a:lvl1pPr>
+          </a:lstStyle>
+          <a:p>
+            <a:pPr algn="ctr"/>
+            <a:r>
+              <a:rPr lang="nl-NL" sz="8000" dirty="0">
+                <a:solidFill>
+                  <a:schemeClr val="bg1"/>
+                </a:solidFill>
+                <a:latin typeface="PP Formula Narrow Semibold" pitchFamily="50" charset="0"/>
+              </a:rPr>
+              <a:t>Christiaan </a:t>
+            </a:r>
+            <a:r>
+              <a:rPr lang="nl-NL" sz="8000" dirty="0" err="1">
+                <a:solidFill>
+                  <a:schemeClr val="bg1"/>
+                </a:solidFill>
+                <a:latin typeface="PP Formula Narrow Semibold" pitchFamily="50" charset="0"/>
+              </a:rPr>
+              <a:t>Triebert</a:t>
+            </a:r>
+            <a:endParaRPr lang="en-US" sz="8000" dirty="0">
+              <a:solidFill>
+                <a:schemeClr val="bg1"/>
+              </a:solidFill>
+              <a:latin typeface="PP Formula Narrow Semibold" pitchFamily="50" charset="0"/>
+            </a:endParaRPr>
+          </a:p>
+        </p:txBody>
+      </p:sp>
+    </p:spTree>
+    <p:extLst>
+      <p:ext uri="{BB962C8B-B14F-4D97-AF65-F5344CB8AC3E}">
+        <p14:creationId xmlns:p14="http://schemas.microsoft.com/office/powerpoint/2010/main" val="2904983993"/>
+      </p:ext>
+    </p:extLst>
+  </p:cSld>
+  <p:clrMapOvr>
+    <a:masterClrMapping/>
+  </p:clrMapOvr>
+</p:sld>
+</file>
+
+<file path=ppt/slides/slide13.xml><?xml version="1.0" encoding="utf-8"?>
+<p:sld xmlns:a="http://schemas.openxmlformats.org/drawingml/2006/main" xmlns:r="http://schemas.openxmlformats.org/officeDocument/2006/relationships" xmlns:p="http://schemas.openxmlformats.org/presentationml/2006/main">
+  <p:cSld>
+    <p:bg>
+      <p:bgPr>
+        <a:solidFill>
+          <a:srgbClr val="4E54A0"/>
+        </a:solidFill>
+        <a:effectLst/>
+      </p:bgPr>
+    </p:bg>
+    <p:spTree>
+      <p:nvGrpSpPr>
+        <p:cNvPr id="1" name=""/>
+        <p:cNvGrpSpPr/>
+        <p:nvPr/>
+      </p:nvGrpSpPr>
+      <p:grpSpPr>
+        <a:xfrm>
+          <a:off x="0" y="0"/>
+          <a:ext cx="0" cy="0"/>
+          <a:chOff x="0" y="0"/>
+          <a:chExt cx="0" cy="0"/>
+        </a:xfrm>
+      </p:grpSpPr>
+      <p:sp>
+        <p:nvSpPr>
+          <p:cNvPr id="7" name="Oval 6">
+            <a:extLst>
+              <a:ext uri="{FF2B5EF4-FFF2-40B4-BE49-F238E27FC236}">
+                <a16:creationId xmlns:a16="http://schemas.microsoft.com/office/drawing/2014/main" id="{975E8217-60B1-21C7-C9EE-BB01EEA88652}"/>
+              </a:ext>
+            </a:extLst>
+          </p:cNvPr>
+          <p:cNvSpPr/>
+          <p:nvPr/>
+        </p:nvSpPr>
+        <p:spPr>
+          <a:xfrm>
+            <a:off x="-4867148" y="-4632314"/>
+            <a:ext cx="9887361" cy="9887361"/>
+          </a:xfrm>
+          <a:prstGeom prst="ellipse">
+            <a:avLst/>
+          </a:prstGeom>
+          <a:solidFill>
+            <a:srgbClr val="9576B2"/>
+          </a:solidFill>
+          <a:ln>
+            <a:noFill/>
+          </a:ln>
+        </p:spPr>
+        <p:style>
+          <a:lnRef idx="2">
+            <a:schemeClr val="accent1">
+              <a:shade val="15000"/>
+            </a:schemeClr>
+          </a:lnRef>
+          <a:fillRef idx="1">
+            <a:schemeClr val="accent1"/>
+          </a:fillRef>
+          <a:effectRef idx="0">
+            <a:schemeClr val="accent1"/>
+          </a:effectRef>
+          <a:fontRef idx="minor">
+            <a:schemeClr val="lt1"/>
+          </a:fontRef>
+        </p:style>
+        <p:txBody>
+          <a:bodyPr rtlCol="0" anchor="ctr"/>
+          <a:lstStyle/>
+          <a:p>
+            <a:pPr algn="ctr"/>
+            <a:endParaRPr lang="en-US"/>
+          </a:p>
+        </p:txBody>
+      </p:sp>
+      <p:sp>
+        <p:nvSpPr>
+          <p:cNvPr id="5" name="Oval 4">
+            <a:extLst>
+              <a:ext uri="{FF2B5EF4-FFF2-40B4-BE49-F238E27FC236}">
+                <a16:creationId xmlns:a16="http://schemas.microsoft.com/office/drawing/2014/main" id="{66938F62-FE65-0445-5E31-89BB771F23AC}"/>
+              </a:ext>
+            </a:extLst>
+          </p:cNvPr>
+          <p:cNvSpPr/>
+          <p:nvPr/>
+        </p:nvSpPr>
+        <p:spPr>
+          <a:xfrm>
+            <a:off x="-2209466" y="-2264351"/>
+            <a:ext cx="4572000" cy="4572000"/>
+          </a:xfrm>
+          <a:prstGeom prst="ellipse">
+            <a:avLst/>
+          </a:prstGeom>
+          <a:solidFill>
+            <a:srgbClr val="4E54A0"/>
+          </a:solidFill>
+          <a:ln>
+            <a:noFill/>
+          </a:ln>
+        </p:spPr>
+        <p:style>
+          <a:lnRef idx="2">
+            <a:schemeClr val="accent1">
+              <a:shade val="15000"/>
+            </a:schemeClr>
+          </a:lnRef>
+          <a:fillRef idx="1">
+            <a:schemeClr val="accent1"/>
+          </a:fillRef>
+          <a:effectRef idx="0">
+            <a:schemeClr val="accent1"/>
+          </a:effectRef>
+          <a:fontRef idx="minor">
+            <a:schemeClr val="lt1"/>
+          </a:fontRef>
+        </p:style>
+        <p:txBody>
+          <a:bodyPr rtlCol="0" anchor="ctr"/>
+          <a:lstStyle/>
+          <a:p>
+            <a:pPr algn="ctr"/>
+            <a:endParaRPr lang="en-US"/>
+          </a:p>
+        </p:txBody>
+      </p:sp>
+      <p:sp>
+        <p:nvSpPr>
+          <p:cNvPr id="8" name="Title 1">
+            <a:extLst>
+              <a:ext uri="{FF2B5EF4-FFF2-40B4-BE49-F238E27FC236}">
+                <a16:creationId xmlns:a16="http://schemas.microsoft.com/office/drawing/2014/main" id="{AB7CB787-5496-02AA-00E0-D3F25522FEF9}"/>
+              </a:ext>
+            </a:extLst>
+          </p:cNvPr>
+          <p:cNvSpPr txBox="1">
+            <a:spLocks/>
+          </p:cNvSpPr>
+          <p:nvPr/>
+        </p:nvSpPr>
+        <p:spPr>
+          <a:xfrm>
+            <a:off x="1524000" y="1122363"/>
+            <a:ext cx="9144000" cy="1476999"/>
+          </a:xfrm>
+          <a:prstGeom prst="rect">
+            <a:avLst/>
+          </a:prstGeom>
+        </p:spPr>
+        <p:txBody>
+          <a:bodyPr vert="horz" lIns="91440" tIns="45720" rIns="91440" bIns="45720" rtlCol="0" anchor="ctr">
+            <a:normAutofit/>
+          </a:bodyPr>
+          <a:lstStyle>
+            <a:lvl1pPr algn="l" defTabSz="914400" rtl="0" eaLnBrk="1" latinLnBrk="0" hangingPunct="1">
+              <a:lnSpc>
+                <a:spcPct val="90000"/>
+              </a:lnSpc>
+              <a:spcBef>
+                <a:spcPct val="0"/>
+              </a:spcBef>
+              <a:buNone/>
+              <a:defRPr sz="4400" kern="1200">
+                <a:solidFill>
+                  <a:schemeClr val="tx1"/>
+                </a:solidFill>
+                <a:latin typeface="+mj-lt"/>
+                <a:ea typeface="+mj-ea"/>
+                <a:cs typeface="+mj-cs"/>
+              </a:defRPr>
+            </a:lvl1pPr>
+          </a:lstStyle>
+          <a:p>
+            <a:pPr algn="r"/>
+            <a:r>
+              <a:rPr lang="nl-NL" dirty="0">
+                <a:solidFill>
+                  <a:schemeClr val="bg1"/>
+                </a:solidFill>
+                <a:latin typeface="PP Formula Narrow Semibold" pitchFamily="50" charset="0"/>
+              </a:rPr>
+              <a:t>Deadlines</a:t>
+            </a:r>
+            <a:endParaRPr lang="en-US" dirty="0">
+              <a:solidFill>
+                <a:schemeClr val="bg1"/>
+              </a:solidFill>
+              <a:latin typeface="PP Formula Narrow Semibold" pitchFamily="50" charset="0"/>
+            </a:endParaRPr>
+          </a:p>
+        </p:txBody>
+      </p:sp>
+    </p:spTree>
+    <p:extLst>
+      <p:ext uri="{BB962C8B-B14F-4D97-AF65-F5344CB8AC3E}">
+        <p14:creationId xmlns:p14="http://schemas.microsoft.com/office/powerpoint/2010/main" val="735123280"/>
+      </p:ext>
+    </p:extLst>
+  </p:cSld>
+  <p:clrMapOvr>
+    <a:masterClrMapping/>
+  </p:clrMapOvr>
+</p:sld>
+</file>
+
 <file path=ppt/slides/slide2.xml><?xml version="1.0" encoding="utf-8"?>
 <p:sld xmlns:a="http://schemas.openxmlformats.org/drawingml/2006/main" xmlns:r="http://schemas.openxmlformats.org/officeDocument/2006/relationships" xmlns:p="http://schemas.openxmlformats.org/presentationml/2006/main">
   <p:cSld>
@@ -5760,13 +7609,13 @@
   <p:clrMapOvr>
     <a:masterClrMapping/>
   </p:clrMapOvr>
-  <mc:AlternateContent xmlns:mc="http://schemas.openxmlformats.org/markup-compatibility/2006">
-    <mc:Choice xmlns:p159="http://schemas.microsoft.com/office/powerpoint/2015/09/main" Requires="p159">
+  <mc:AlternateContent xmlns:mc="http://schemas.openxmlformats.org/markup-compatibility/2006" xmlns:p159="http://schemas.microsoft.com/office/powerpoint/2015/09/main">
+    <mc:Choice Requires="p159">
       <p:transition xmlns:p14="http://schemas.microsoft.com/office/powerpoint/2010/main" spd="slow" p14:dur="2000">
         <p159:morph option="byObject"/>
       </p:transition>
     </mc:Choice>
-    <mc:Fallback>
+    <mc:Fallback xmlns="">
       <p:transition spd="slow">
         <p:fade/>
       </p:transition>
@@ -6336,13 +8185,13 @@
   <p:clrMapOvr>
     <a:masterClrMapping/>
   </p:clrMapOvr>
-  <mc:AlternateContent xmlns:mc="http://schemas.openxmlformats.org/markup-compatibility/2006">
-    <mc:Choice xmlns:p159="http://schemas.microsoft.com/office/powerpoint/2015/09/main" Requires="p159">
+  <mc:AlternateContent xmlns:mc="http://schemas.openxmlformats.org/markup-compatibility/2006" xmlns:p159="http://schemas.microsoft.com/office/powerpoint/2015/09/main">
+    <mc:Choice Requires="p159">
       <p:transition xmlns:p14="http://schemas.microsoft.com/office/powerpoint/2010/main" spd="slow" p14:dur="2000">
         <p159:morph option="byObject"/>
       </p:transition>
     </mc:Choice>
-    <mc:Fallback>
+    <mc:Fallback xmlns="">
       <p:transition spd="slow">
         <p:fade/>
       </p:transition>
@@ -7594,16 +9443,8 @@
 </file>
 
 <file path=ppt/slides/slide7.xml><?xml version="1.0" encoding="utf-8"?>
-<p:sld xmlns:a="http://schemas.openxmlformats.org/drawingml/2006/main" xmlns:r="http://schemas.openxmlformats.org/officeDocument/2006/relationships" xmlns:p="http://schemas.openxmlformats.org/presentationml/2006/main">
+<p:sld xmlns:a="http://schemas.openxmlformats.org/drawingml/2006/main" xmlns:r="http://schemas.openxmlformats.org/officeDocument/2006/relationships" xmlns:p="http://schemas.openxmlformats.org/presentationml/2006/main" show="0">
   <p:cSld>
-    <p:bg>
-      <p:bgPr>
-        <a:solidFill>
-          <a:srgbClr val="4E54A0"/>
-        </a:solidFill>
-        <a:effectLst/>
-      </p:bgPr>
-    </p:bg>
     <p:spTree>
       <p:nvGrpSpPr>
         <p:cNvPr id="1" name=""/>
@@ -7620,580 +9461,154 @@
       </p:grpSpPr>
       <p:sp>
         <p:nvSpPr>
-          <p:cNvPr id="7" name="Oval 6">
-            <a:extLst>
-              <a:ext uri="{FF2B5EF4-FFF2-40B4-BE49-F238E27FC236}">
-                <a16:creationId xmlns:a16="http://schemas.microsoft.com/office/drawing/2014/main" id="{975E8217-60B1-21C7-C9EE-BB01EEA88652}"/>
-              </a:ext>
-            </a:extLst>
-          </p:cNvPr>
-          <p:cNvSpPr/>
-          <p:nvPr/>
+          <p:cNvPr id="2" name="Title 1">
+            <a:extLst>
+              <a:ext uri="{FF2B5EF4-FFF2-40B4-BE49-F238E27FC236}">
+                <a16:creationId xmlns:a16="http://schemas.microsoft.com/office/drawing/2014/main" id="{F56ED4A8-A515-1E05-06FA-EC32A89BB675}"/>
+              </a:ext>
+            </a:extLst>
+          </p:cNvPr>
+          <p:cNvSpPr>
+            <a:spLocks noGrp="1"/>
+          </p:cNvSpPr>
+          <p:nvPr>
+            <p:ph type="title"/>
+          </p:nvPr>
+        </p:nvSpPr>
+        <p:spPr/>
+        <p:txBody>
+          <a:bodyPr/>
+          <a:lstStyle/>
+          <a:p>
+            <a:r>
+              <a:rPr lang="en-US" dirty="0" err="1">
+                <a:latin typeface="PP Formula Light" pitchFamily="50" charset="0"/>
+              </a:rPr>
+              <a:t>Beeldmateriaal</a:t>
+            </a:r>
+            <a:endParaRPr lang="en-NL" dirty="0">
+              <a:latin typeface="PP Formula Light" pitchFamily="50" charset="0"/>
+            </a:endParaRPr>
+          </a:p>
+        </p:txBody>
+      </p:sp>
+      <p:sp>
+        <p:nvSpPr>
+          <p:cNvPr id="3" name="Content Placeholder 2">
+            <a:extLst>
+              <a:ext uri="{FF2B5EF4-FFF2-40B4-BE49-F238E27FC236}">
+                <a16:creationId xmlns:a16="http://schemas.microsoft.com/office/drawing/2014/main" id="{27601355-F15B-0896-C791-31E50D176D5D}"/>
+              </a:ext>
+            </a:extLst>
+          </p:cNvPr>
+          <p:cNvSpPr>
+            <a:spLocks noGrp="1"/>
+          </p:cNvSpPr>
+          <p:nvPr>
+            <p:ph idx="1"/>
+          </p:nvPr>
         </p:nvSpPr>
         <p:spPr>
           <a:xfrm>
-            <a:off x="1152319" y="-6255631"/>
-            <a:ext cx="9887361" cy="9887361"/>
+            <a:off x="838200" y="5185051"/>
+            <a:ext cx="10515600" cy="991912"/>
           </a:xfrm>
-          <a:prstGeom prst="ellipse">
+        </p:spPr>
+        <p:txBody>
+          <a:bodyPr>
+            <a:normAutofit/>
+          </a:bodyPr>
+          <a:lstStyle/>
+          <a:p>
+            <a:r>
+              <a:rPr lang="en-US" sz="1400" dirty="0"/>
+              <a:t>https://open.spotify.com/artist/2f7BGTXZCr4dow83dt4kgr</a:t>
+            </a:r>
+            <a:endParaRPr lang="en-NL" sz="1400" dirty="0"/>
+          </a:p>
+        </p:txBody>
+      </p:sp>
+      <p:pic>
+        <p:nvPicPr>
+          <p:cNvPr id="1026" name="Picture 2" descr="Amiga 500 - Wikipedia">
+            <a:extLst>
+              <a:ext uri="{FF2B5EF4-FFF2-40B4-BE49-F238E27FC236}">
+                <a16:creationId xmlns:a16="http://schemas.microsoft.com/office/drawing/2014/main" id="{DF50C6C6-C1A1-FD8D-73A3-FC8A74CFA2AC}"/>
+              </a:ext>
+            </a:extLst>
+          </p:cNvPr>
+          <p:cNvPicPr>
+            <a:picLocks noChangeAspect="1" noChangeArrowheads="1"/>
+          </p:cNvPicPr>
+          <p:nvPr/>
+        </p:nvPicPr>
+        <p:blipFill>
+          <a:blip r:embed="rId2">
+            <a:extLst>
+              <a:ext uri="{28A0092B-C50C-407E-A947-70E740481C1C}">
+                <a14:useLocalDpi xmlns:a14="http://schemas.microsoft.com/office/drawing/2010/main" val="0"/>
+              </a:ext>
+            </a:extLst>
+          </a:blip>
+          <a:srcRect/>
+          <a:stretch>
+            <a:fillRect/>
+          </a:stretch>
+        </p:blipFill>
+        <p:spPr bwMode="auto">
+          <a:xfrm>
+            <a:off x="838200" y="1825625"/>
+            <a:ext cx="4325261" cy="3359426"/>
+          </a:xfrm>
+          <a:prstGeom prst="rect">
             <a:avLst/>
           </a:prstGeom>
-          <a:solidFill>
-            <a:srgbClr val="9576B2"/>
-          </a:solidFill>
-          <a:ln>
-            <a:noFill/>
-          </a:ln>
+          <a:noFill/>
+          <a:extLst>
+            <a:ext uri="{909E8E84-426E-40DD-AFC4-6F175D3DCCD1}">
+              <a14:hiddenFill xmlns:a14="http://schemas.microsoft.com/office/drawing/2010/main">
+                <a:solidFill>
+                  <a:srgbClr val="FFFFFF"/>
+                </a:solidFill>
+              </a14:hiddenFill>
+            </a:ext>
+          </a:extLst>
         </p:spPr>
-        <p:style>
-          <a:lnRef idx="2">
-            <a:schemeClr val="accent1">
-              <a:shade val="15000"/>
-            </a:schemeClr>
-          </a:lnRef>
-          <a:fillRef idx="1">
-            <a:schemeClr val="accent1"/>
-          </a:fillRef>
-          <a:effectRef idx="0">
-            <a:schemeClr val="accent1"/>
-          </a:effectRef>
-          <a:fontRef idx="minor">
-            <a:schemeClr val="lt1"/>
-          </a:fontRef>
-        </p:style>
-        <p:txBody>
-          <a:bodyPr rtlCol="0" anchor="ctr"/>
-          <a:lstStyle/>
-          <a:p>
-            <a:pPr algn="ctr"/>
-            <a:endParaRPr lang="en-US"/>
-          </a:p>
-        </p:txBody>
-      </p:sp>
-      <p:sp>
-        <p:nvSpPr>
-          <p:cNvPr id="5" name="Oval 4">
-            <a:extLst>
-              <a:ext uri="{FF2B5EF4-FFF2-40B4-BE49-F238E27FC236}">
-                <a16:creationId xmlns:a16="http://schemas.microsoft.com/office/drawing/2014/main" id="{66938F62-FE65-0445-5E31-89BB771F23AC}"/>
-              </a:ext>
-            </a:extLst>
-          </p:cNvPr>
-          <p:cNvSpPr/>
+      </p:pic>
+      <p:pic>
+        <p:nvPicPr>
+          <p:cNvPr id="5" name="Picture 4">
+            <a:extLst>
+              <a:ext uri="{FF2B5EF4-FFF2-40B4-BE49-F238E27FC236}">
+                <a16:creationId xmlns:a16="http://schemas.microsoft.com/office/drawing/2014/main" id="{91979042-194A-F552-1BC7-3A5031450E41}"/>
+              </a:ext>
+            </a:extLst>
+          </p:cNvPr>
+          <p:cNvPicPr>
+            <a:picLocks noChangeAspect="1"/>
+          </p:cNvPicPr>
           <p:nvPr/>
-        </p:nvSpPr>
+        </p:nvPicPr>
+        <p:blipFill>
+          <a:blip r:embed="rId3"/>
+          <a:stretch>
+            <a:fillRect/>
+          </a:stretch>
+        </p:blipFill>
         <p:spPr>
           <a:xfrm>
-            <a:off x="3810001" y="-3887668"/>
-            <a:ext cx="4572000" cy="4572000"/>
-          </a:xfrm>
-          <a:prstGeom prst="ellipse">
-            <a:avLst/>
-          </a:prstGeom>
-          <a:solidFill>
-            <a:srgbClr val="4E54A0"/>
-          </a:solidFill>
-          <a:ln>
-            <a:noFill/>
-          </a:ln>
-        </p:spPr>
-        <p:style>
-          <a:lnRef idx="2">
-            <a:schemeClr val="accent1">
-              <a:shade val="15000"/>
-            </a:schemeClr>
-          </a:lnRef>
-          <a:fillRef idx="1">
-            <a:schemeClr val="accent1"/>
-          </a:fillRef>
-          <a:effectRef idx="0">
-            <a:schemeClr val="accent1"/>
-          </a:effectRef>
-          <a:fontRef idx="minor">
-            <a:schemeClr val="lt1"/>
-          </a:fontRef>
-        </p:style>
-        <p:txBody>
-          <a:bodyPr rtlCol="0" anchor="ctr"/>
-          <a:lstStyle/>
-          <a:p>
-            <a:pPr algn="ctr"/>
-            <a:endParaRPr lang="en-US"/>
-          </a:p>
-        </p:txBody>
-      </p:sp>
-      <p:sp>
-        <p:nvSpPr>
-          <p:cNvPr id="8" name="Title 1">
-            <a:extLst>
-              <a:ext uri="{FF2B5EF4-FFF2-40B4-BE49-F238E27FC236}">
-                <a16:creationId xmlns:a16="http://schemas.microsoft.com/office/drawing/2014/main" id="{AB7CB787-5496-02AA-00E0-D3F25522FEF9}"/>
-              </a:ext>
-            </a:extLst>
-          </p:cNvPr>
-          <p:cNvSpPr txBox="1">
-            <a:spLocks/>
-          </p:cNvSpPr>
-          <p:nvPr/>
-        </p:nvSpPr>
-        <p:spPr>
-          <a:xfrm>
-            <a:off x="1524000" y="1122363"/>
-            <a:ext cx="9144000" cy="1476999"/>
+            <a:off x="6109291" y="451019"/>
+            <a:ext cx="5970065" cy="2977981"/>
           </a:xfrm>
           <a:prstGeom prst="rect">
             <a:avLst/>
           </a:prstGeom>
         </p:spPr>
-        <p:txBody>
-          <a:bodyPr vert="horz" lIns="91440" tIns="45720" rIns="91440" bIns="45720" rtlCol="0" anchor="ctr">
-            <a:normAutofit/>
-          </a:bodyPr>
-          <a:lstStyle>
-            <a:lvl1pPr algn="l" defTabSz="914400" rtl="0" eaLnBrk="1" latinLnBrk="0" hangingPunct="1">
-              <a:lnSpc>
-                <a:spcPct val="90000"/>
-              </a:lnSpc>
-              <a:spcBef>
-                <a:spcPct val="0"/>
-              </a:spcBef>
-              <a:buNone/>
-              <a:defRPr sz="4400" kern="1200">
-                <a:solidFill>
-                  <a:schemeClr val="tx1"/>
-                </a:solidFill>
-                <a:latin typeface="+mj-lt"/>
-                <a:ea typeface="+mj-ea"/>
-                <a:cs typeface="+mj-cs"/>
-              </a:defRPr>
-            </a:lvl1pPr>
-          </a:lstStyle>
-          <a:p>
-            <a:pPr algn="r"/>
-            <a:r>
-              <a:rPr lang="nl-NL" dirty="0">
-                <a:solidFill>
-                  <a:schemeClr val="bg1"/>
-                </a:solidFill>
-                <a:latin typeface="PP Formula Narrow Semibold" pitchFamily="50" charset="0"/>
-              </a:rPr>
-              <a:t>plan van aanpak</a:t>
-            </a:r>
-            <a:endParaRPr lang="en-US" dirty="0">
-              <a:solidFill>
-                <a:schemeClr val="bg1"/>
-              </a:solidFill>
-              <a:latin typeface="PP Formula Narrow Semibold" pitchFamily="50" charset="0"/>
-            </a:endParaRPr>
-          </a:p>
-        </p:txBody>
-      </p:sp>
-      <p:sp>
-        <p:nvSpPr>
-          <p:cNvPr id="9" name="Subtitle 2">
-            <a:extLst>
-              <a:ext uri="{FF2B5EF4-FFF2-40B4-BE49-F238E27FC236}">
-                <a16:creationId xmlns:a16="http://schemas.microsoft.com/office/drawing/2014/main" id="{9B4753AB-7653-60B1-0D90-5C60C706FEEB}"/>
-              </a:ext>
-            </a:extLst>
-          </p:cNvPr>
-          <p:cNvSpPr txBox="1">
-            <a:spLocks/>
-          </p:cNvSpPr>
-          <p:nvPr/>
-        </p:nvSpPr>
-        <p:spPr>
-          <a:xfrm>
-            <a:off x="621585" y="4280849"/>
-            <a:ext cx="10948828" cy="1655762"/>
-          </a:xfrm>
-          <a:prstGeom prst="rect">
-            <a:avLst/>
-          </a:prstGeom>
-        </p:spPr>
-        <p:txBody>
-          <a:bodyPr vert="horz" lIns="91440" tIns="45720" rIns="91440" bIns="45720" rtlCol="0">
-            <a:normAutofit/>
-          </a:bodyPr>
-          <a:lstStyle>
-            <a:lvl1pPr marL="228600" indent="-228600" algn="l" defTabSz="914400" rtl="0" eaLnBrk="1" latinLnBrk="0" hangingPunct="1">
-              <a:lnSpc>
-                <a:spcPct val="90000"/>
-              </a:lnSpc>
-              <a:spcBef>
-                <a:spcPts val="1000"/>
-              </a:spcBef>
-              <a:buFont typeface="Arial" panose="020B0604020202020204" pitchFamily="34" charset="0"/>
-              <a:buChar char="•"/>
-              <a:defRPr sz="2800" kern="1200">
-                <a:solidFill>
-                  <a:schemeClr val="tx1"/>
-                </a:solidFill>
-                <a:latin typeface="+mn-lt"/>
-                <a:ea typeface="+mn-ea"/>
-                <a:cs typeface="+mn-cs"/>
-              </a:defRPr>
-            </a:lvl1pPr>
-            <a:lvl2pPr marL="685800" indent="-228600" algn="l" defTabSz="914400" rtl="0" eaLnBrk="1" latinLnBrk="0" hangingPunct="1">
-              <a:lnSpc>
-                <a:spcPct val="90000"/>
-              </a:lnSpc>
-              <a:spcBef>
-                <a:spcPts val="500"/>
-              </a:spcBef>
-              <a:buFont typeface="Arial" panose="020B0604020202020204" pitchFamily="34" charset="0"/>
-              <a:buChar char="•"/>
-              <a:defRPr sz="2400" kern="1200">
-                <a:solidFill>
-                  <a:schemeClr val="tx1"/>
-                </a:solidFill>
-                <a:latin typeface="+mn-lt"/>
-                <a:ea typeface="+mn-ea"/>
-                <a:cs typeface="+mn-cs"/>
-              </a:defRPr>
-            </a:lvl2pPr>
-            <a:lvl3pPr marL="1143000" indent="-228600" algn="l" defTabSz="914400" rtl="0" eaLnBrk="1" latinLnBrk="0" hangingPunct="1">
-              <a:lnSpc>
-                <a:spcPct val="90000"/>
-              </a:lnSpc>
-              <a:spcBef>
-                <a:spcPts val="500"/>
-              </a:spcBef>
-              <a:buFont typeface="Arial" panose="020B0604020202020204" pitchFamily="34" charset="0"/>
-              <a:buChar char="•"/>
-              <a:defRPr sz="2000" kern="1200">
-                <a:solidFill>
-                  <a:schemeClr val="tx1"/>
-                </a:solidFill>
-                <a:latin typeface="+mn-lt"/>
-                <a:ea typeface="+mn-ea"/>
-                <a:cs typeface="+mn-cs"/>
-              </a:defRPr>
-            </a:lvl3pPr>
-            <a:lvl4pPr marL="1600200" indent="-228600" algn="l" defTabSz="914400" rtl="0" eaLnBrk="1" latinLnBrk="0" hangingPunct="1">
-              <a:lnSpc>
-                <a:spcPct val="90000"/>
-              </a:lnSpc>
-              <a:spcBef>
-                <a:spcPts val="500"/>
-              </a:spcBef>
-              <a:buFont typeface="Arial" panose="020B0604020202020204" pitchFamily="34" charset="0"/>
-              <a:buChar char="•"/>
-              <a:defRPr sz="1800" kern="1200">
-                <a:solidFill>
-                  <a:schemeClr val="tx1"/>
-                </a:solidFill>
-                <a:latin typeface="+mn-lt"/>
-                <a:ea typeface="+mn-ea"/>
-                <a:cs typeface="+mn-cs"/>
-              </a:defRPr>
-            </a:lvl4pPr>
-            <a:lvl5pPr marL="2057400" indent="-228600" algn="l" defTabSz="914400" rtl="0" eaLnBrk="1" latinLnBrk="0" hangingPunct="1">
-              <a:lnSpc>
-                <a:spcPct val="90000"/>
-              </a:lnSpc>
-              <a:spcBef>
-                <a:spcPts val="500"/>
-              </a:spcBef>
-              <a:buFont typeface="Arial" panose="020B0604020202020204" pitchFamily="34" charset="0"/>
-              <a:buChar char="•"/>
-              <a:defRPr sz="1800" kern="1200">
-                <a:solidFill>
-                  <a:schemeClr val="tx1"/>
-                </a:solidFill>
-                <a:latin typeface="+mn-lt"/>
-                <a:ea typeface="+mn-ea"/>
-                <a:cs typeface="+mn-cs"/>
-              </a:defRPr>
-            </a:lvl5pPr>
-            <a:lvl6pPr marL="2514600" indent="-228600" algn="l" defTabSz="914400" rtl="0" eaLnBrk="1" latinLnBrk="0" hangingPunct="1">
-              <a:lnSpc>
-                <a:spcPct val="90000"/>
-              </a:lnSpc>
-              <a:spcBef>
-                <a:spcPts val="500"/>
-              </a:spcBef>
-              <a:buFont typeface="Arial" panose="020B0604020202020204" pitchFamily="34" charset="0"/>
-              <a:buChar char="•"/>
-              <a:defRPr sz="1800" kern="1200">
-                <a:solidFill>
-                  <a:schemeClr val="tx1"/>
-                </a:solidFill>
-                <a:latin typeface="+mn-lt"/>
-                <a:ea typeface="+mn-ea"/>
-                <a:cs typeface="+mn-cs"/>
-              </a:defRPr>
-            </a:lvl6pPr>
-            <a:lvl7pPr marL="2971800" indent="-228600" algn="l" defTabSz="914400" rtl="0" eaLnBrk="1" latinLnBrk="0" hangingPunct="1">
-              <a:lnSpc>
-                <a:spcPct val="90000"/>
-              </a:lnSpc>
-              <a:spcBef>
-                <a:spcPts val="500"/>
-              </a:spcBef>
-              <a:buFont typeface="Arial" panose="020B0604020202020204" pitchFamily="34" charset="0"/>
-              <a:buChar char="•"/>
-              <a:defRPr sz="1800" kern="1200">
-                <a:solidFill>
-                  <a:schemeClr val="tx1"/>
-                </a:solidFill>
-                <a:latin typeface="+mn-lt"/>
-                <a:ea typeface="+mn-ea"/>
-                <a:cs typeface="+mn-cs"/>
-              </a:defRPr>
-            </a:lvl7pPr>
-            <a:lvl8pPr marL="3429000" indent="-228600" algn="l" defTabSz="914400" rtl="0" eaLnBrk="1" latinLnBrk="0" hangingPunct="1">
-              <a:lnSpc>
-                <a:spcPct val="90000"/>
-              </a:lnSpc>
-              <a:spcBef>
-                <a:spcPts val="500"/>
-              </a:spcBef>
-              <a:buFont typeface="Arial" panose="020B0604020202020204" pitchFamily="34" charset="0"/>
-              <a:buChar char="•"/>
-              <a:defRPr sz="1800" kern="1200">
-                <a:solidFill>
-                  <a:schemeClr val="tx1"/>
-                </a:solidFill>
-                <a:latin typeface="+mn-lt"/>
-                <a:ea typeface="+mn-ea"/>
-                <a:cs typeface="+mn-cs"/>
-              </a:defRPr>
-            </a:lvl8pPr>
-            <a:lvl9pPr marL="3886200" indent="-228600" algn="l" defTabSz="914400" rtl="0" eaLnBrk="1" latinLnBrk="0" hangingPunct="1">
-              <a:lnSpc>
-                <a:spcPct val="90000"/>
-              </a:lnSpc>
-              <a:spcBef>
-                <a:spcPts val="500"/>
-              </a:spcBef>
-              <a:buFont typeface="Arial" panose="020B0604020202020204" pitchFamily="34" charset="0"/>
-              <a:buChar char="•"/>
-              <a:defRPr sz="1800" kern="1200">
-                <a:solidFill>
-                  <a:schemeClr val="tx1"/>
-                </a:solidFill>
-                <a:latin typeface="+mn-lt"/>
-                <a:ea typeface="+mn-ea"/>
-                <a:cs typeface="+mn-cs"/>
-              </a:defRPr>
-            </a:lvl9pPr>
-          </a:lstStyle>
-          <a:p>
-            <a:pPr marL="0" indent="0">
-              <a:buNone/>
-            </a:pPr>
-            <a:r>
-              <a:rPr lang="nl-NL" sz="1400" dirty="0">
-                <a:solidFill>
-                  <a:schemeClr val="bg1"/>
-                </a:solidFill>
-                <a:latin typeface="PP Formula Medium" pitchFamily="50" charset="0"/>
-              </a:rPr>
-              <a:t>Extra benodigdheden voor </a:t>
-            </a:r>
-            <a:r>
-              <a:rPr lang="nl-NL" sz="1400" dirty="0" err="1">
-                <a:solidFill>
-                  <a:schemeClr val="bg1"/>
-                </a:solidFill>
-                <a:latin typeface="PP Formula Medium" pitchFamily="50" charset="0"/>
-              </a:rPr>
-              <a:t>Eliot</a:t>
-            </a:r>
-            <a:r>
-              <a:rPr lang="nl-NL" sz="1400" dirty="0">
-                <a:solidFill>
-                  <a:schemeClr val="bg1"/>
-                </a:solidFill>
-                <a:latin typeface="PP Formula Medium" pitchFamily="50" charset="0"/>
-              </a:rPr>
-              <a:t> Higgins:</a:t>
-            </a:r>
-          </a:p>
-          <a:p>
-            <a:pPr>
-              <a:buFontTx/>
-              <a:buChar char="-"/>
-            </a:pPr>
-            <a:r>
-              <a:rPr lang="en-US" sz="2000" dirty="0">
-                <a:solidFill>
-                  <a:schemeClr val="bg1"/>
-                </a:solidFill>
-                <a:latin typeface="PP Formula Medium" pitchFamily="50" charset="0"/>
-              </a:rPr>
-              <a:t>Alleen maar </a:t>
-            </a:r>
-            <a:r>
-              <a:rPr lang="en-US" sz="2000" dirty="0" err="1">
-                <a:solidFill>
-                  <a:schemeClr val="bg1"/>
-                </a:solidFill>
-                <a:latin typeface="PP Formula Medium" pitchFamily="50" charset="0"/>
-              </a:rPr>
-              <a:t>studenten</a:t>
-            </a:r>
-            <a:r>
-              <a:rPr lang="en-US" sz="2000" dirty="0">
-                <a:solidFill>
-                  <a:schemeClr val="bg1"/>
-                </a:solidFill>
-                <a:latin typeface="PP Formula Medium" pitchFamily="50" charset="0"/>
-              </a:rPr>
-              <a:t> in </a:t>
-            </a:r>
-            <a:r>
-              <a:rPr lang="en-US" sz="2000" dirty="0" err="1">
-                <a:solidFill>
-                  <a:schemeClr val="bg1"/>
-                </a:solidFill>
-                <a:latin typeface="PP Formula Medium" pitchFamily="50" charset="0"/>
-              </a:rPr>
-              <a:t>zaal</a:t>
-            </a:r>
-            <a:endParaRPr lang="en-US" sz="2000" dirty="0">
-              <a:solidFill>
-                <a:schemeClr val="bg1"/>
-              </a:solidFill>
-              <a:latin typeface="PP Formula Medium" pitchFamily="50" charset="0"/>
-            </a:endParaRPr>
-          </a:p>
-          <a:p>
-            <a:pPr>
-              <a:buFontTx/>
-              <a:buChar char="-"/>
-            </a:pPr>
-            <a:r>
-              <a:rPr lang="en-US" sz="2000" dirty="0" err="1">
-                <a:solidFill>
-                  <a:schemeClr val="bg1"/>
-                </a:solidFill>
-                <a:latin typeface="PP Formula Medium" pitchFamily="50" charset="0"/>
-              </a:rPr>
-              <a:t>Complexere</a:t>
-            </a:r>
-            <a:r>
-              <a:rPr lang="en-US" sz="2000" dirty="0">
-                <a:solidFill>
-                  <a:schemeClr val="bg1"/>
-                </a:solidFill>
-                <a:latin typeface="PP Formula Medium" pitchFamily="50" charset="0"/>
-              </a:rPr>
-              <a:t> </a:t>
-            </a:r>
-            <a:r>
-              <a:rPr lang="en-US" sz="2000" dirty="0" err="1">
-                <a:solidFill>
-                  <a:schemeClr val="bg1"/>
-                </a:solidFill>
-                <a:latin typeface="PP Formula Medium" pitchFamily="50" charset="0"/>
-              </a:rPr>
-              <a:t>gastinterviews</a:t>
-            </a:r>
-            <a:endParaRPr lang="en-US" sz="2000" dirty="0">
-              <a:solidFill>
-                <a:schemeClr val="bg1"/>
-              </a:solidFill>
-              <a:latin typeface="PP Formula Medium" pitchFamily="50" charset="0"/>
-            </a:endParaRPr>
-          </a:p>
-          <a:p>
-            <a:pPr>
-              <a:buFontTx/>
-              <a:buChar char="-"/>
-            </a:pPr>
-            <a:endParaRPr lang="en-US" sz="2000" dirty="0">
-              <a:solidFill>
-                <a:schemeClr val="bg1"/>
-              </a:solidFill>
-              <a:latin typeface="PP Formula Medium" pitchFamily="50" charset="0"/>
-            </a:endParaRPr>
-          </a:p>
-          <a:p>
-            <a:pPr>
-              <a:buFontTx/>
-              <a:buChar char="-"/>
-            </a:pPr>
-            <a:endParaRPr lang="en-US" sz="2000" dirty="0">
-              <a:solidFill>
-                <a:schemeClr val="bg1"/>
-              </a:solidFill>
-              <a:latin typeface="PP Formula Medium" pitchFamily="50" charset="0"/>
-            </a:endParaRPr>
-          </a:p>
-        </p:txBody>
-      </p:sp>
-      <p:sp>
-        <p:nvSpPr>
-          <p:cNvPr id="2" name="Title 1">
-            <a:extLst>
-              <a:ext uri="{FF2B5EF4-FFF2-40B4-BE49-F238E27FC236}">
-                <a16:creationId xmlns:a16="http://schemas.microsoft.com/office/drawing/2014/main" id="{31CA5593-C6F3-E461-E566-73FC07AE1FB4}"/>
-              </a:ext>
-            </a:extLst>
-          </p:cNvPr>
-          <p:cNvSpPr txBox="1">
-            <a:spLocks/>
-          </p:cNvSpPr>
-          <p:nvPr/>
-        </p:nvSpPr>
-        <p:spPr>
-          <a:xfrm>
-            <a:off x="1523999" y="2377047"/>
-            <a:ext cx="9144000" cy="1476999"/>
-          </a:xfrm>
-          <a:prstGeom prst="rect">
-            <a:avLst/>
-          </a:prstGeom>
-        </p:spPr>
-        <p:txBody>
-          <a:bodyPr vert="horz" lIns="91440" tIns="45720" rIns="91440" bIns="45720" rtlCol="0" anchor="ctr">
-            <a:normAutofit/>
-          </a:bodyPr>
-          <a:lstStyle>
-            <a:lvl1pPr algn="l" defTabSz="914400" rtl="0" eaLnBrk="1" latinLnBrk="0" hangingPunct="1">
-              <a:lnSpc>
-                <a:spcPct val="90000"/>
-              </a:lnSpc>
-              <a:spcBef>
-                <a:spcPct val="0"/>
-              </a:spcBef>
-              <a:buNone/>
-              <a:defRPr sz="4400" kern="1200">
-                <a:solidFill>
-                  <a:schemeClr val="tx1"/>
-                </a:solidFill>
-                <a:latin typeface="+mj-lt"/>
-                <a:ea typeface="+mj-ea"/>
-                <a:cs typeface="+mj-cs"/>
-              </a:defRPr>
-            </a:lvl1pPr>
-          </a:lstStyle>
-          <a:p>
-            <a:pPr algn="ctr"/>
-            <a:r>
-              <a:rPr lang="nl-NL" sz="8000" dirty="0">
-                <a:solidFill>
-                  <a:schemeClr val="bg1"/>
-                </a:solidFill>
-                <a:latin typeface="PP Formula Narrow Semibold" pitchFamily="50" charset="0"/>
-              </a:rPr>
-              <a:t>team nog onbekend</a:t>
-            </a:r>
-            <a:endParaRPr lang="en-US" sz="8000" dirty="0">
-              <a:solidFill>
-                <a:schemeClr val="bg1"/>
-              </a:solidFill>
-              <a:latin typeface="PP Formula Narrow Semibold" pitchFamily="50" charset="0"/>
-            </a:endParaRPr>
-          </a:p>
-        </p:txBody>
-      </p:sp>
+      </p:pic>
     </p:spTree>
     <p:extLst>
       <p:ext uri="{BB962C8B-B14F-4D97-AF65-F5344CB8AC3E}">
-        <p14:creationId xmlns:p14="http://schemas.microsoft.com/office/powerpoint/2010/main" val="3862570706"/>
+        <p14:creationId xmlns:p14="http://schemas.microsoft.com/office/powerpoint/2010/main" val="1999908728"/>
       </p:ext>
     </p:extLst>
   </p:cSld>
@@ -8228,54 +9643,6 @@
           <a:chExt cx="0" cy="0"/>
         </a:xfrm>
       </p:grpSpPr>
-      <p:pic>
-        <p:nvPicPr>
-          <p:cNvPr id="4098" name="Picture 2" descr="Christaan Triebert, de man uit Leeuwarden die puzzelt met de waarheid als  journalist bij The New York Times - Dagblad van het Noorden">
-            <a:extLst>
-              <a:ext uri="{FF2B5EF4-FFF2-40B4-BE49-F238E27FC236}">
-                <a16:creationId xmlns:a16="http://schemas.microsoft.com/office/drawing/2014/main" id="{186B5334-8A64-A5EE-CBD7-BA9937D1427F}"/>
-              </a:ext>
-            </a:extLst>
-          </p:cNvPr>
-          <p:cNvPicPr>
-            <a:picLocks noChangeAspect="1" noChangeArrowheads="1"/>
-          </p:cNvPicPr>
-          <p:nvPr/>
-        </p:nvPicPr>
-        <p:blipFill>
-          <a:blip r:embed="rId2">
-            <a:alphaModFix amt="60000"/>
-            <a:extLst>
-              <a:ext uri="{28A0092B-C50C-407E-A947-70E740481C1C}">
-                <a14:useLocalDpi xmlns:a14="http://schemas.microsoft.com/office/drawing/2010/main" val="0"/>
-              </a:ext>
-            </a:extLst>
-          </a:blip>
-          <a:srcRect/>
-          <a:stretch>
-            <a:fillRect/>
-          </a:stretch>
-        </p:blipFill>
-        <p:spPr bwMode="auto">
-          <a:xfrm>
-            <a:off x="0" y="0"/>
-            <a:ext cx="16469474" cy="10284494"/>
-          </a:xfrm>
-          <a:prstGeom prst="rect">
-            <a:avLst/>
-          </a:prstGeom>
-          <a:noFill/>
-          <a:extLst>
-            <a:ext uri="{909E8E84-426E-40DD-AFC4-6F175D3DCCD1}">
-              <a14:hiddenFill xmlns:a14="http://schemas.microsoft.com/office/drawing/2010/main">
-                <a:solidFill>
-                  <a:srgbClr val="FFFFFF"/>
-                </a:solidFill>
-              </a14:hiddenFill>
-            </a:ext>
-          </a:extLst>
-        </p:spPr>
-      </p:pic>
       <p:sp>
         <p:nvSpPr>
           <p:cNvPr id="7" name="Oval 6">
@@ -8435,7 +9802,7 @@
                 </a:solidFill>
                 <a:latin typeface="PP Formula Narrow Semibold" pitchFamily="50" charset="0"/>
               </a:rPr>
-              <a:t>Gastinterviews</a:t>
+              <a:t>plan van aanpak</a:t>
             </a:r>
             <a:endParaRPr lang="en-US" dirty="0">
               <a:solidFill>
@@ -8648,8 +10015,131 @@
                 </a:solidFill>
                 <a:latin typeface="PP Formula Medium" pitchFamily="50" charset="0"/>
               </a:rPr>
-              <a:t>NYT Journalist</a:t>
-            </a:r>
+              <a:t>Extra benodigdheden voor </a:t>
+            </a:r>
+            <a:r>
+              <a:rPr lang="nl-NL" sz="1400" dirty="0" err="1">
+                <a:solidFill>
+                  <a:schemeClr val="bg1"/>
+                </a:solidFill>
+                <a:latin typeface="PP Formula Medium" pitchFamily="50" charset="0"/>
+              </a:rPr>
+              <a:t>Eliot</a:t>
+            </a:r>
+            <a:r>
+              <a:rPr lang="nl-NL" sz="1400" dirty="0">
+                <a:solidFill>
+                  <a:schemeClr val="bg1"/>
+                </a:solidFill>
+                <a:latin typeface="PP Formula Medium" pitchFamily="50" charset="0"/>
+              </a:rPr>
+              <a:t> Higgins:</a:t>
+            </a:r>
+          </a:p>
+          <a:p>
+            <a:pPr>
+              <a:buFontTx/>
+              <a:buChar char="-"/>
+            </a:pPr>
+            <a:r>
+              <a:rPr lang="en-US" sz="2000" dirty="0">
+                <a:solidFill>
+                  <a:schemeClr val="bg1"/>
+                </a:solidFill>
+                <a:latin typeface="PP Formula Medium" pitchFamily="50" charset="0"/>
+              </a:rPr>
+              <a:t>Alleen maar </a:t>
+            </a:r>
+            <a:r>
+              <a:rPr lang="en-US" sz="2000" dirty="0" err="1">
+                <a:solidFill>
+                  <a:schemeClr val="bg1"/>
+                </a:solidFill>
+                <a:latin typeface="PP Formula Medium" pitchFamily="50" charset="0"/>
+              </a:rPr>
+              <a:t>studenten</a:t>
+            </a:r>
+            <a:r>
+              <a:rPr lang="en-US" sz="2000" dirty="0">
+                <a:solidFill>
+                  <a:schemeClr val="bg1"/>
+                </a:solidFill>
+                <a:latin typeface="PP Formula Medium" pitchFamily="50" charset="0"/>
+              </a:rPr>
+              <a:t> in </a:t>
+            </a:r>
+            <a:r>
+              <a:rPr lang="en-US" sz="2000" dirty="0" err="1">
+                <a:solidFill>
+                  <a:schemeClr val="bg1"/>
+                </a:solidFill>
+                <a:latin typeface="PP Formula Medium" pitchFamily="50" charset="0"/>
+              </a:rPr>
+              <a:t>zaal</a:t>
+            </a:r>
+            <a:endParaRPr lang="en-US" sz="2000" dirty="0">
+              <a:solidFill>
+                <a:schemeClr val="bg1"/>
+              </a:solidFill>
+              <a:latin typeface="PP Formula Medium" pitchFamily="50" charset="0"/>
+            </a:endParaRPr>
+          </a:p>
+          <a:p>
+            <a:pPr>
+              <a:buFontTx/>
+              <a:buChar char="-"/>
+            </a:pPr>
+            <a:r>
+              <a:rPr lang="en-US" sz="2000" dirty="0" err="1">
+                <a:solidFill>
+                  <a:schemeClr val="bg1"/>
+                </a:solidFill>
+                <a:latin typeface="PP Formula Medium" pitchFamily="50" charset="0"/>
+              </a:rPr>
+              <a:t>Complexere</a:t>
+            </a:r>
+            <a:r>
+              <a:rPr lang="en-US" sz="2000" dirty="0">
+                <a:solidFill>
+                  <a:schemeClr val="bg1"/>
+                </a:solidFill>
+                <a:latin typeface="PP Formula Medium" pitchFamily="50" charset="0"/>
+              </a:rPr>
+              <a:t> </a:t>
+            </a:r>
+            <a:r>
+              <a:rPr lang="en-US" sz="2000" dirty="0" err="1">
+                <a:solidFill>
+                  <a:schemeClr val="bg1"/>
+                </a:solidFill>
+                <a:latin typeface="PP Formula Medium" pitchFamily="50" charset="0"/>
+              </a:rPr>
+              <a:t>gastinterviews</a:t>
+            </a:r>
+            <a:endParaRPr lang="en-US" sz="2000" dirty="0">
+              <a:solidFill>
+                <a:schemeClr val="bg1"/>
+              </a:solidFill>
+              <a:latin typeface="PP Formula Medium" pitchFamily="50" charset="0"/>
+            </a:endParaRPr>
+          </a:p>
+          <a:p>
+            <a:pPr>
+              <a:buFontTx/>
+              <a:buChar char="-"/>
+            </a:pPr>
+            <a:endParaRPr lang="en-US" sz="2000" dirty="0">
+              <a:solidFill>
+                <a:schemeClr val="bg1"/>
+              </a:solidFill>
+              <a:latin typeface="PP Formula Medium" pitchFamily="50" charset="0"/>
+            </a:endParaRPr>
+          </a:p>
+          <a:p>
+            <a:pPr>
+              <a:buFontTx/>
+              <a:buChar char="-"/>
+            </a:pPr>
             <a:endParaRPr lang="en-US" sz="2000" dirty="0">
               <a:solidFill>
                 <a:schemeClr val="bg1"/>
@@ -8714,16 +10204,7 @@
                 </a:solidFill>
                 <a:latin typeface="PP Formula Narrow Semibold" pitchFamily="50" charset="0"/>
               </a:rPr>
-              <a:t>Christiaan </a:t>
-            </a:r>
-            <a:r>
-              <a:rPr lang="nl-NL" sz="8000" dirty="0" err="1">
-                <a:solidFill>
-                  <a:schemeClr val="bg1"/>
-                </a:solidFill>
-                <a:latin typeface="PP Formula Narrow Semibold" pitchFamily="50" charset="0"/>
-              </a:rPr>
-              <a:t>Triebert</a:t>
+              <a:t>team nog onbekend</a:t>
             </a:r>
             <a:endParaRPr lang="en-US" sz="8000" dirty="0">
               <a:solidFill>
@@ -8737,7 +10218,7 @@
     </p:spTree>
     <p:extLst>
       <p:ext uri="{BB962C8B-B14F-4D97-AF65-F5344CB8AC3E}">
-        <p14:creationId xmlns:p14="http://schemas.microsoft.com/office/powerpoint/2010/main" val="2543467142"/>
+        <p14:creationId xmlns:p14="http://schemas.microsoft.com/office/powerpoint/2010/main" val="3862570706"/>
       </p:ext>
     </p:extLst>
   </p:cSld>
@@ -8772,6 +10253,54 @@
           <a:chExt cx="0" cy="0"/>
         </a:xfrm>
       </p:grpSpPr>
+      <p:pic>
+        <p:nvPicPr>
+          <p:cNvPr id="4098" name="Picture 2" descr="Christaan Triebert, de man uit Leeuwarden die puzzelt met de waarheid als  journalist bij The New York Times - Dagblad van het Noorden">
+            <a:extLst>
+              <a:ext uri="{FF2B5EF4-FFF2-40B4-BE49-F238E27FC236}">
+                <a16:creationId xmlns:a16="http://schemas.microsoft.com/office/drawing/2014/main" id="{186B5334-8A64-A5EE-CBD7-BA9937D1427F}"/>
+              </a:ext>
+            </a:extLst>
+          </p:cNvPr>
+          <p:cNvPicPr>
+            <a:picLocks noChangeAspect="1" noChangeArrowheads="1"/>
+          </p:cNvPicPr>
+          <p:nvPr/>
+        </p:nvPicPr>
+        <p:blipFill>
+          <a:blip r:embed="rId2">
+            <a:alphaModFix amt="60000"/>
+            <a:extLst>
+              <a:ext uri="{28A0092B-C50C-407E-A947-70E740481C1C}">
+                <a14:useLocalDpi xmlns:a14="http://schemas.microsoft.com/office/drawing/2010/main" val="0"/>
+              </a:ext>
+            </a:extLst>
+          </a:blip>
+          <a:srcRect/>
+          <a:stretch>
+            <a:fillRect/>
+          </a:stretch>
+        </p:blipFill>
+        <p:spPr bwMode="auto">
+          <a:xfrm>
+            <a:off x="0" y="0"/>
+            <a:ext cx="16469474" cy="10284494"/>
+          </a:xfrm>
+          <a:prstGeom prst="rect">
+            <a:avLst/>
+          </a:prstGeom>
+          <a:noFill/>
+          <a:extLst>
+            <a:ext uri="{909E8E84-426E-40DD-AFC4-6F175D3DCCD1}">
+              <a14:hiddenFill xmlns:a14="http://schemas.microsoft.com/office/drawing/2010/main">
+                <a:solidFill>
+                  <a:srgbClr val="FFFFFF"/>
+                </a:solidFill>
+              </a14:hiddenFill>
+            </a:ext>
+          </a:extLst>
+        </p:spPr>
+      </p:pic>
       <p:sp>
         <p:nvSpPr>
           <p:cNvPr id="7" name="Oval 6">
@@ -8786,7 +10315,7 @@
         </p:nvSpPr>
         <p:spPr>
           <a:xfrm>
-            <a:off x="-4867148" y="-4632314"/>
+            <a:off x="1152319" y="-6255631"/>
             <a:ext cx="9887361" cy="9887361"/>
           </a:xfrm>
           <a:prstGeom prst="ellipse">
@@ -8838,7 +10367,7 @@
         </p:nvSpPr>
         <p:spPr>
           <a:xfrm>
-            <a:off x="-2209466" y="-2264351"/>
+            <a:off x="3810001" y="-3887668"/>
             <a:ext cx="4572000" cy="4572000"/>
           </a:xfrm>
           <a:prstGeom prst="ellipse">
@@ -8931,7 +10460,7 @@
                 </a:solidFill>
                 <a:latin typeface="PP Formula Narrow Semibold" pitchFamily="50" charset="0"/>
               </a:rPr>
-              <a:t>Deadlines</a:t>
+              <a:t>Gastinterviews</a:t>
             </a:r>
             <a:endParaRPr lang="en-US" dirty="0">
               <a:solidFill>
@@ -8942,10 +10471,298 @@
           </a:p>
         </p:txBody>
       </p:sp>
+      <p:sp>
+        <p:nvSpPr>
+          <p:cNvPr id="9" name="Subtitle 2">
+            <a:extLst>
+              <a:ext uri="{FF2B5EF4-FFF2-40B4-BE49-F238E27FC236}">
+                <a16:creationId xmlns:a16="http://schemas.microsoft.com/office/drawing/2014/main" id="{9B4753AB-7653-60B1-0D90-5C60C706FEEB}"/>
+              </a:ext>
+            </a:extLst>
+          </p:cNvPr>
+          <p:cNvSpPr txBox="1">
+            <a:spLocks/>
+          </p:cNvSpPr>
+          <p:nvPr/>
+        </p:nvSpPr>
+        <p:spPr>
+          <a:xfrm>
+            <a:off x="621585" y="4280849"/>
+            <a:ext cx="10948828" cy="1655762"/>
+          </a:xfrm>
+          <a:prstGeom prst="rect">
+            <a:avLst/>
+          </a:prstGeom>
+        </p:spPr>
+        <p:txBody>
+          <a:bodyPr vert="horz" lIns="91440" tIns="45720" rIns="91440" bIns="45720" rtlCol="0">
+            <a:normAutofit/>
+          </a:bodyPr>
+          <a:lstStyle>
+            <a:lvl1pPr marL="228600" indent="-228600" algn="l" defTabSz="914400" rtl="0" eaLnBrk="1" latinLnBrk="0" hangingPunct="1">
+              <a:lnSpc>
+                <a:spcPct val="90000"/>
+              </a:lnSpc>
+              <a:spcBef>
+                <a:spcPts val="1000"/>
+              </a:spcBef>
+              <a:buFont typeface="Arial" panose="020B0604020202020204" pitchFamily="34" charset="0"/>
+              <a:buChar char="•"/>
+              <a:defRPr sz="2800" kern="1200">
+                <a:solidFill>
+                  <a:schemeClr val="tx1"/>
+                </a:solidFill>
+                <a:latin typeface="+mn-lt"/>
+                <a:ea typeface="+mn-ea"/>
+                <a:cs typeface="+mn-cs"/>
+              </a:defRPr>
+            </a:lvl1pPr>
+            <a:lvl2pPr marL="685800" indent="-228600" algn="l" defTabSz="914400" rtl="0" eaLnBrk="1" latinLnBrk="0" hangingPunct="1">
+              <a:lnSpc>
+                <a:spcPct val="90000"/>
+              </a:lnSpc>
+              <a:spcBef>
+                <a:spcPts val="500"/>
+              </a:spcBef>
+              <a:buFont typeface="Arial" panose="020B0604020202020204" pitchFamily="34" charset="0"/>
+              <a:buChar char="•"/>
+              <a:defRPr sz="2400" kern="1200">
+                <a:solidFill>
+                  <a:schemeClr val="tx1"/>
+                </a:solidFill>
+                <a:latin typeface="+mn-lt"/>
+                <a:ea typeface="+mn-ea"/>
+                <a:cs typeface="+mn-cs"/>
+              </a:defRPr>
+            </a:lvl2pPr>
+            <a:lvl3pPr marL="1143000" indent="-228600" algn="l" defTabSz="914400" rtl="0" eaLnBrk="1" latinLnBrk="0" hangingPunct="1">
+              <a:lnSpc>
+                <a:spcPct val="90000"/>
+              </a:lnSpc>
+              <a:spcBef>
+                <a:spcPts val="500"/>
+              </a:spcBef>
+              <a:buFont typeface="Arial" panose="020B0604020202020204" pitchFamily="34" charset="0"/>
+              <a:buChar char="•"/>
+              <a:defRPr sz="2000" kern="1200">
+                <a:solidFill>
+                  <a:schemeClr val="tx1"/>
+                </a:solidFill>
+                <a:latin typeface="+mn-lt"/>
+                <a:ea typeface="+mn-ea"/>
+                <a:cs typeface="+mn-cs"/>
+              </a:defRPr>
+            </a:lvl3pPr>
+            <a:lvl4pPr marL="1600200" indent="-228600" algn="l" defTabSz="914400" rtl="0" eaLnBrk="1" latinLnBrk="0" hangingPunct="1">
+              <a:lnSpc>
+                <a:spcPct val="90000"/>
+              </a:lnSpc>
+              <a:spcBef>
+                <a:spcPts val="500"/>
+              </a:spcBef>
+              <a:buFont typeface="Arial" panose="020B0604020202020204" pitchFamily="34" charset="0"/>
+              <a:buChar char="•"/>
+              <a:defRPr sz="1800" kern="1200">
+                <a:solidFill>
+                  <a:schemeClr val="tx1"/>
+                </a:solidFill>
+                <a:latin typeface="+mn-lt"/>
+                <a:ea typeface="+mn-ea"/>
+                <a:cs typeface="+mn-cs"/>
+              </a:defRPr>
+            </a:lvl4pPr>
+            <a:lvl5pPr marL="2057400" indent="-228600" algn="l" defTabSz="914400" rtl="0" eaLnBrk="1" latinLnBrk="0" hangingPunct="1">
+              <a:lnSpc>
+                <a:spcPct val="90000"/>
+              </a:lnSpc>
+              <a:spcBef>
+                <a:spcPts val="500"/>
+              </a:spcBef>
+              <a:buFont typeface="Arial" panose="020B0604020202020204" pitchFamily="34" charset="0"/>
+              <a:buChar char="•"/>
+              <a:defRPr sz="1800" kern="1200">
+                <a:solidFill>
+                  <a:schemeClr val="tx1"/>
+                </a:solidFill>
+                <a:latin typeface="+mn-lt"/>
+                <a:ea typeface="+mn-ea"/>
+                <a:cs typeface="+mn-cs"/>
+              </a:defRPr>
+            </a:lvl5pPr>
+            <a:lvl6pPr marL="2514600" indent="-228600" algn="l" defTabSz="914400" rtl="0" eaLnBrk="1" latinLnBrk="0" hangingPunct="1">
+              <a:lnSpc>
+                <a:spcPct val="90000"/>
+              </a:lnSpc>
+              <a:spcBef>
+                <a:spcPts val="500"/>
+              </a:spcBef>
+              <a:buFont typeface="Arial" panose="020B0604020202020204" pitchFamily="34" charset="0"/>
+              <a:buChar char="•"/>
+              <a:defRPr sz="1800" kern="1200">
+                <a:solidFill>
+                  <a:schemeClr val="tx1"/>
+                </a:solidFill>
+                <a:latin typeface="+mn-lt"/>
+                <a:ea typeface="+mn-ea"/>
+                <a:cs typeface="+mn-cs"/>
+              </a:defRPr>
+            </a:lvl6pPr>
+            <a:lvl7pPr marL="2971800" indent="-228600" algn="l" defTabSz="914400" rtl="0" eaLnBrk="1" latinLnBrk="0" hangingPunct="1">
+              <a:lnSpc>
+                <a:spcPct val="90000"/>
+              </a:lnSpc>
+              <a:spcBef>
+                <a:spcPts val="500"/>
+              </a:spcBef>
+              <a:buFont typeface="Arial" panose="020B0604020202020204" pitchFamily="34" charset="0"/>
+              <a:buChar char="•"/>
+              <a:defRPr sz="1800" kern="1200">
+                <a:solidFill>
+                  <a:schemeClr val="tx1"/>
+                </a:solidFill>
+                <a:latin typeface="+mn-lt"/>
+                <a:ea typeface="+mn-ea"/>
+                <a:cs typeface="+mn-cs"/>
+              </a:defRPr>
+            </a:lvl7pPr>
+            <a:lvl8pPr marL="3429000" indent="-228600" algn="l" defTabSz="914400" rtl="0" eaLnBrk="1" latinLnBrk="0" hangingPunct="1">
+              <a:lnSpc>
+                <a:spcPct val="90000"/>
+              </a:lnSpc>
+              <a:spcBef>
+                <a:spcPts val="500"/>
+              </a:spcBef>
+              <a:buFont typeface="Arial" panose="020B0604020202020204" pitchFamily="34" charset="0"/>
+              <a:buChar char="•"/>
+              <a:defRPr sz="1800" kern="1200">
+                <a:solidFill>
+                  <a:schemeClr val="tx1"/>
+                </a:solidFill>
+                <a:latin typeface="+mn-lt"/>
+                <a:ea typeface="+mn-ea"/>
+                <a:cs typeface="+mn-cs"/>
+              </a:defRPr>
+            </a:lvl8pPr>
+            <a:lvl9pPr marL="3886200" indent="-228600" algn="l" defTabSz="914400" rtl="0" eaLnBrk="1" latinLnBrk="0" hangingPunct="1">
+              <a:lnSpc>
+                <a:spcPct val="90000"/>
+              </a:lnSpc>
+              <a:spcBef>
+                <a:spcPts val="500"/>
+              </a:spcBef>
+              <a:buFont typeface="Arial" panose="020B0604020202020204" pitchFamily="34" charset="0"/>
+              <a:buChar char="•"/>
+              <a:defRPr sz="1800" kern="1200">
+                <a:solidFill>
+                  <a:schemeClr val="tx1"/>
+                </a:solidFill>
+                <a:latin typeface="+mn-lt"/>
+                <a:ea typeface="+mn-ea"/>
+                <a:cs typeface="+mn-cs"/>
+              </a:defRPr>
+            </a:lvl9pPr>
+          </a:lstStyle>
+          <a:p>
+            <a:pPr marL="0" indent="0">
+              <a:buNone/>
+            </a:pPr>
+            <a:r>
+              <a:rPr lang="nl-NL" sz="1400" dirty="0">
+                <a:solidFill>
+                  <a:schemeClr val="bg1"/>
+                </a:solidFill>
+                <a:latin typeface="PP Formula Medium" pitchFamily="50" charset="0"/>
+              </a:rPr>
+              <a:t>NYT Journalist</a:t>
+            </a:r>
+            <a:endParaRPr lang="en-US" sz="2000" dirty="0">
+              <a:solidFill>
+                <a:schemeClr val="bg1"/>
+              </a:solidFill>
+              <a:latin typeface="PP Formula Medium" pitchFamily="50" charset="0"/>
+            </a:endParaRPr>
+          </a:p>
+        </p:txBody>
+      </p:sp>
+      <p:sp>
+        <p:nvSpPr>
+          <p:cNvPr id="2" name="Title 1">
+            <a:extLst>
+              <a:ext uri="{FF2B5EF4-FFF2-40B4-BE49-F238E27FC236}">
+                <a16:creationId xmlns:a16="http://schemas.microsoft.com/office/drawing/2014/main" id="{31CA5593-C6F3-E461-E566-73FC07AE1FB4}"/>
+              </a:ext>
+            </a:extLst>
+          </p:cNvPr>
+          <p:cNvSpPr txBox="1">
+            <a:spLocks/>
+          </p:cNvSpPr>
+          <p:nvPr/>
+        </p:nvSpPr>
+        <p:spPr>
+          <a:xfrm>
+            <a:off x="1523999" y="2377047"/>
+            <a:ext cx="9144000" cy="1476999"/>
+          </a:xfrm>
+          <a:prstGeom prst="rect">
+            <a:avLst/>
+          </a:prstGeom>
+        </p:spPr>
+        <p:txBody>
+          <a:bodyPr vert="horz" lIns="91440" tIns="45720" rIns="91440" bIns="45720" rtlCol="0" anchor="ctr">
+            <a:normAutofit/>
+          </a:bodyPr>
+          <a:lstStyle>
+            <a:lvl1pPr algn="l" defTabSz="914400" rtl="0" eaLnBrk="1" latinLnBrk="0" hangingPunct="1">
+              <a:lnSpc>
+                <a:spcPct val="90000"/>
+              </a:lnSpc>
+              <a:spcBef>
+                <a:spcPct val="0"/>
+              </a:spcBef>
+              <a:buNone/>
+              <a:defRPr sz="4400" kern="1200">
+                <a:solidFill>
+                  <a:schemeClr val="tx1"/>
+                </a:solidFill>
+                <a:latin typeface="+mj-lt"/>
+                <a:ea typeface="+mj-ea"/>
+                <a:cs typeface="+mj-cs"/>
+              </a:defRPr>
+            </a:lvl1pPr>
+          </a:lstStyle>
+          <a:p>
+            <a:pPr algn="ctr"/>
+            <a:r>
+              <a:rPr lang="nl-NL" sz="8000" dirty="0">
+                <a:solidFill>
+                  <a:schemeClr val="bg1"/>
+                </a:solidFill>
+                <a:latin typeface="PP Formula Narrow Semibold" pitchFamily="50" charset="0"/>
+              </a:rPr>
+              <a:t>Christiaan </a:t>
+            </a:r>
+            <a:r>
+              <a:rPr lang="nl-NL" sz="8000" dirty="0" err="1">
+                <a:solidFill>
+                  <a:schemeClr val="bg1"/>
+                </a:solidFill>
+                <a:latin typeface="PP Formula Narrow Semibold" pitchFamily="50" charset="0"/>
+              </a:rPr>
+              <a:t>Triebert</a:t>
+            </a:r>
+            <a:endParaRPr lang="en-US" sz="8000" dirty="0">
+              <a:solidFill>
+                <a:schemeClr val="bg1"/>
+              </a:solidFill>
+              <a:latin typeface="PP Formula Narrow Semibold" pitchFamily="50" charset="0"/>
+            </a:endParaRPr>
+          </a:p>
+        </p:txBody>
+      </p:sp>
     </p:spTree>
     <p:extLst>
       <p:ext uri="{BB962C8B-B14F-4D97-AF65-F5344CB8AC3E}">
-        <p14:creationId xmlns:p14="http://schemas.microsoft.com/office/powerpoint/2010/main" val="735123280"/>
+        <p14:creationId xmlns:p14="http://schemas.microsoft.com/office/powerpoint/2010/main" val="2543467142"/>
       </p:ext>
     </p:extLst>
   </p:cSld>
